--- a/有一位嬰孩.pptx
+++ b/有一位嬰孩.pptx
@@ -5,12 +5,18 @@
     <p:sldMasterId id="2147483660" r:id="rId1"/>
   </p:sldMasterIdLst>
   <p:sldIdLst>
-    <p:sldId id="256" r:id="rId2"/>
-    <p:sldId id="257" r:id="rId3"/>
-    <p:sldId id="258" r:id="rId4"/>
-    <p:sldId id="259" r:id="rId5"/>
+    <p:sldId id="863" r:id="rId2"/>
+    <p:sldId id="390" r:id="rId3"/>
+    <p:sldId id="864" r:id="rId4"/>
+    <p:sldId id="865" r:id="rId5"/>
+    <p:sldId id="866" r:id="rId6"/>
+    <p:sldId id="867" r:id="rId7"/>
+    <p:sldId id="868" r:id="rId8"/>
+    <p:sldId id="869" r:id="rId9"/>
+    <p:sldId id="870" r:id="rId10"/>
+    <p:sldId id="871" r:id="rId11"/>
   </p:sldIdLst>
-  <p:sldSz cx="9144000" cy="6858000" type="screen4x3"/>
+  <p:sldSz cx="12192000" cy="6858000"/>
   <p:notesSz cx="6858000" cy="9144000"/>
   <p:defaultTextStyle>
     <a:defPPr>
@@ -107,6 +113,22 @@
       </a:defRPr>
     </a:lvl9pPr>
   </p:defaultTextStyle>
+  <p:extLst>
+    <p:ext uri="{EFAFB233-063F-42B5-8137-9DF3F51BA10A}">
+      <p15:sldGuideLst xmlns:p15="http://schemas.microsoft.com/office/powerpoint/2012/main">
+        <p15:guide id="1" orient="horz" pos="2160" userDrawn="1">
+          <p15:clr>
+            <a:srgbClr val="A4A3A4"/>
+          </p15:clr>
+        </p15:guide>
+        <p15:guide id="2" pos="3840" userDrawn="1">
+          <p15:clr>
+            <a:srgbClr val="A4A3A4"/>
+          </p15:clr>
+        </p15:guide>
+      </p15:sldGuideLst>
+    </p:ext>
+  </p:extLst>
 </p:presentation>
 </file>
 
@@ -139,8 +161,8 @@
         </p:nvSpPr>
         <p:spPr>
           <a:xfrm>
-            <a:off x="685800" y="2130425"/>
-            <a:ext cx="7772400" cy="1470025"/>
+            <a:off x="914400" y="2130426"/>
+            <a:ext cx="10363200" cy="1470025"/>
           </a:xfrm>
         </p:spPr>
         <p:txBody>
@@ -148,10 +170,9 @@
           <a:lstStyle/>
           <a:p>
             <a:r>
-              <a:rPr lang="zh-TW" altLang="en-US" smtClean="0"/>
+              <a:rPr lang="zh-TW" altLang="en-US"/>
               <a:t>按一下以編輯母片標題樣式</a:t>
             </a:r>
-            <a:endParaRPr lang="zh-TW" altLang="en-US"/>
           </a:p>
         </p:txBody>
       </p:sp>
@@ -167,8 +188,8 @@
         </p:nvSpPr>
         <p:spPr>
           <a:xfrm>
-            <a:off x="1371600" y="3886200"/>
-            <a:ext cx="6400800" cy="1752600"/>
+            <a:off x="1828800" y="3886200"/>
+            <a:ext cx="8534400" cy="1752600"/>
           </a:xfrm>
         </p:spPr>
         <p:txBody>
@@ -267,10 +288,9 @@
           </a:lstStyle>
           <a:p>
             <a:r>
-              <a:rPr lang="zh-TW" altLang="en-US" smtClean="0"/>
+              <a:rPr lang="zh-TW" altLang="en-US"/>
               <a:t>按一下以編輯母片副標題樣式</a:t>
             </a:r>
-            <a:endParaRPr lang="zh-TW" altLang="en-US"/>
           </a:p>
         </p:txBody>
       </p:sp>
@@ -291,7 +311,7 @@
           <a:p>
             <a:fld id="{7C34B948-116C-4707-B621-AE00B2411EB1}" type="datetimeFigureOut">
               <a:rPr lang="zh-TW" altLang="en-US" smtClean="0"/>
-              <a:t>2018/12/15</a:t>
+              <a:t>2023/12/16</a:t>
             </a:fld>
             <a:endParaRPr lang="zh-TW" altLang="en-US"/>
           </a:p>
@@ -380,10 +400,9 @@
           <a:lstStyle/>
           <a:p>
             <a:r>
-              <a:rPr lang="zh-TW" altLang="en-US" smtClean="0"/>
+              <a:rPr lang="zh-TW" altLang="en-US"/>
               <a:t>按一下以編輯母片標題樣式</a:t>
             </a:r>
-            <a:endParaRPr lang="zh-TW" altLang="en-US"/>
           </a:p>
         </p:txBody>
       </p:sp>
@@ -404,38 +423,37 @@
           <a:p>
             <a:pPr lvl="0"/>
             <a:r>
-              <a:rPr lang="zh-TW" altLang="en-US" smtClean="0"/>
+              <a:rPr lang="zh-TW" altLang="en-US"/>
               <a:t>按一下以編輯母片文字樣式</a:t>
             </a:r>
           </a:p>
           <a:p>
             <a:pPr lvl="1"/>
             <a:r>
-              <a:rPr lang="zh-TW" altLang="en-US" smtClean="0"/>
+              <a:rPr lang="zh-TW" altLang="en-US"/>
               <a:t>第二層</a:t>
             </a:r>
           </a:p>
           <a:p>
             <a:pPr lvl="2"/>
             <a:r>
-              <a:rPr lang="zh-TW" altLang="en-US" smtClean="0"/>
+              <a:rPr lang="zh-TW" altLang="en-US"/>
               <a:t>第三層</a:t>
             </a:r>
           </a:p>
           <a:p>
             <a:pPr lvl="3"/>
             <a:r>
-              <a:rPr lang="zh-TW" altLang="en-US" smtClean="0"/>
+              <a:rPr lang="zh-TW" altLang="en-US"/>
               <a:t>第四層</a:t>
             </a:r>
           </a:p>
           <a:p>
             <a:pPr lvl="4"/>
             <a:r>
-              <a:rPr lang="zh-TW" altLang="en-US" smtClean="0"/>
+              <a:rPr lang="zh-TW" altLang="en-US"/>
               <a:t>第五層</a:t>
             </a:r>
-            <a:endParaRPr lang="zh-TW" altLang="en-US"/>
           </a:p>
         </p:txBody>
       </p:sp>
@@ -456,7 +474,7 @@
           <a:p>
             <a:fld id="{7C34B948-116C-4707-B621-AE00B2411EB1}" type="datetimeFigureOut">
               <a:rPr lang="zh-TW" altLang="en-US" smtClean="0"/>
-              <a:t>2018/12/15</a:t>
+              <a:t>2023/12/16</a:t>
             </a:fld>
             <a:endParaRPr lang="zh-TW" altLang="en-US"/>
           </a:p>
@@ -541,8 +559,8 @@
         </p:nvSpPr>
         <p:spPr>
           <a:xfrm>
-            <a:off x="6629400" y="274638"/>
-            <a:ext cx="2057400" cy="5851525"/>
+            <a:off x="8839200" y="274639"/>
+            <a:ext cx="2743200" cy="5851525"/>
           </a:xfrm>
         </p:spPr>
         <p:txBody>
@@ -550,10 +568,9 @@
           <a:lstStyle/>
           <a:p>
             <a:r>
-              <a:rPr lang="zh-TW" altLang="en-US" smtClean="0"/>
+              <a:rPr lang="zh-TW" altLang="en-US"/>
               <a:t>按一下以編輯母片標題樣式</a:t>
             </a:r>
-            <a:endParaRPr lang="zh-TW" altLang="en-US"/>
           </a:p>
         </p:txBody>
       </p:sp>
@@ -569,8 +586,8 @@
         </p:nvSpPr>
         <p:spPr>
           <a:xfrm>
-            <a:off x="457200" y="274638"/>
-            <a:ext cx="6019800" cy="5851525"/>
+            <a:off x="609600" y="274639"/>
+            <a:ext cx="8026400" cy="5851525"/>
           </a:xfrm>
         </p:spPr>
         <p:txBody>
@@ -579,38 +596,37 @@
           <a:p>
             <a:pPr lvl="0"/>
             <a:r>
-              <a:rPr lang="zh-TW" altLang="en-US" smtClean="0"/>
+              <a:rPr lang="zh-TW" altLang="en-US"/>
               <a:t>按一下以編輯母片文字樣式</a:t>
             </a:r>
           </a:p>
           <a:p>
             <a:pPr lvl="1"/>
             <a:r>
-              <a:rPr lang="zh-TW" altLang="en-US" smtClean="0"/>
+              <a:rPr lang="zh-TW" altLang="en-US"/>
               <a:t>第二層</a:t>
             </a:r>
           </a:p>
           <a:p>
             <a:pPr lvl="2"/>
             <a:r>
-              <a:rPr lang="zh-TW" altLang="en-US" smtClean="0"/>
+              <a:rPr lang="zh-TW" altLang="en-US"/>
               <a:t>第三層</a:t>
             </a:r>
           </a:p>
           <a:p>
             <a:pPr lvl="3"/>
             <a:r>
-              <a:rPr lang="zh-TW" altLang="en-US" smtClean="0"/>
+              <a:rPr lang="zh-TW" altLang="en-US"/>
               <a:t>第四層</a:t>
             </a:r>
           </a:p>
           <a:p>
             <a:pPr lvl="4"/>
             <a:r>
-              <a:rPr lang="zh-TW" altLang="en-US" smtClean="0"/>
+              <a:rPr lang="zh-TW" altLang="en-US"/>
               <a:t>第五層</a:t>
             </a:r>
-            <a:endParaRPr lang="zh-TW" altLang="en-US"/>
           </a:p>
         </p:txBody>
       </p:sp>
@@ -631,7 +647,7 @@
           <a:p>
             <a:fld id="{7C34B948-116C-4707-B621-AE00B2411EB1}" type="datetimeFigureOut">
               <a:rPr lang="zh-TW" altLang="en-US" smtClean="0"/>
-              <a:t>2018/12/15</a:t>
+              <a:t>2023/12/16</a:t>
             </a:fld>
             <a:endParaRPr lang="zh-TW" altLang="en-US"/>
           </a:p>
@@ -720,10 +736,9 @@
           <a:lstStyle/>
           <a:p>
             <a:r>
-              <a:rPr lang="zh-TW" altLang="en-US" smtClean="0"/>
+              <a:rPr lang="zh-TW" altLang="en-US"/>
               <a:t>按一下以編輯母片標題樣式</a:t>
             </a:r>
-            <a:endParaRPr lang="zh-TW" altLang="en-US"/>
           </a:p>
         </p:txBody>
       </p:sp>
@@ -744,38 +759,37 @@
           <a:p>
             <a:pPr lvl="0"/>
             <a:r>
-              <a:rPr lang="zh-TW" altLang="en-US" smtClean="0"/>
+              <a:rPr lang="zh-TW" altLang="en-US"/>
               <a:t>按一下以編輯母片文字樣式</a:t>
             </a:r>
           </a:p>
           <a:p>
             <a:pPr lvl="1"/>
             <a:r>
-              <a:rPr lang="zh-TW" altLang="en-US" smtClean="0"/>
+              <a:rPr lang="zh-TW" altLang="en-US"/>
               <a:t>第二層</a:t>
             </a:r>
           </a:p>
           <a:p>
             <a:pPr lvl="2"/>
             <a:r>
-              <a:rPr lang="zh-TW" altLang="en-US" smtClean="0"/>
+              <a:rPr lang="zh-TW" altLang="en-US"/>
               <a:t>第三層</a:t>
             </a:r>
           </a:p>
           <a:p>
             <a:pPr lvl="3"/>
             <a:r>
-              <a:rPr lang="zh-TW" altLang="en-US" smtClean="0"/>
+              <a:rPr lang="zh-TW" altLang="en-US"/>
               <a:t>第四層</a:t>
             </a:r>
           </a:p>
           <a:p>
             <a:pPr lvl="4"/>
             <a:r>
-              <a:rPr lang="zh-TW" altLang="en-US" smtClean="0"/>
+              <a:rPr lang="zh-TW" altLang="en-US"/>
               <a:t>第五層</a:t>
             </a:r>
-            <a:endParaRPr lang="zh-TW" altLang="en-US"/>
           </a:p>
         </p:txBody>
       </p:sp>
@@ -796,7 +810,7 @@
           <a:p>
             <a:fld id="{7C34B948-116C-4707-B621-AE00B2411EB1}" type="datetimeFigureOut">
               <a:rPr lang="zh-TW" altLang="en-US" smtClean="0"/>
-              <a:t>2018/12/15</a:t>
+              <a:t>2023/12/16</a:t>
             </a:fld>
             <a:endParaRPr lang="zh-TW" altLang="en-US"/>
           </a:p>
@@ -881,8 +895,8 @@
         </p:nvSpPr>
         <p:spPr>
           <a:xfrm>
-            <a:off x="722313" y="4406900"/>
-            <a:ext cx="7772400" cy="1362075"/>
+            <a:off x="963084" y="4406901"/>
+            <a:ext cx="10363200" cy="1362075"/>
           </a:xfrm>
         </p:spPr>
         <p:txBody>
@@ -894,10 +908,9 @@
           </a:lstStyle>
           <a:p>
             <a:r>
-              <a:rPr lang="zh-TW" altLang="en-US" smtClean="0"/>
+              <a:rPr lang="zh-TW" altLang="en-US"/>
               <a:t>按一下以編輯母片標題樣式</a:t>
             </a:r>
-            <a:endParaRPr lang="zh-TW" altLang="en-US"/>
           </a:p>
         </p:txBody>
       </p:sp>
@@ -913,8 +926,8 @@
         </p:nvSpPr>
         <p:spPr>
           <a:xfrm>
-            <a:off x="722313" y="2906713"/>
-            <a:ext cx="7772400" cy="1500187"/>
+            <a:off x="963084" y="2906713"/>
+            <a:ext cx="10363200" cy="1500187"/>
           </a:xfrm>
         </p:spPr>
         <p:txBody>
@@ -1014,7 +1027,7 @@
           <a:p>
             <a:pPr lvl="0"/>
             <a:r>
-              <a:rPr lang="zh-TW" altLang="en-US" smtClean="0"/>
+              <a:rPr lang="zh-TW" altLang="en-US"/>
               <a:t>按一下以編輯母片文字樣式</a:t>
             </a:r>
           </a:p>
@@ -1037,7 +1050,7 @@
           <a:p>
             <a:fld id="{7C34B948-116C-4707-B621-AE00B2411EB1}" type="datetimeFigureOut">
               <a:rPr lang="zh-TW" altLang="en-US" smtClean="0"/>
-              <a:t>2018/12/15</a:t>
+              <a:t>2023/12/16</a:t>
             </a:fld>
             <a:endParaRPr lang="zh-TW" altLang="en-US"/>
           </a:p>
@@ -1126,10 +1139,9 @@
           <a:lstStyle/>
           <a:p>
             <a:r>
-              <a:rPr lang="zh-TW" altLang="en-US" smtClean="0"/>
+              <a:rPr lang="zh-TW" altLang="en-US"/>
               <a:t>按一下以編輯母片標題樣式</a:t>
             </a:r>
-            <a:endParaRPr lang="zh-TW" altLang="en-US"/>
           </a:p>
         </p:txBody>
       </p:sp>
@@ -1145,8 +1157,8 @@
         </p:nvSpPr>
         <p:spPr>
           <a:xfrm>
-            <a:off x="457200" y="1600200"/>
-            <a:ext cx="4038600" cy="4525963"/>
+            <a:off x="609600" y="1600201"/>
+            <a:ext cx="5384800" cy="4525963"/>
           </a:xfrm>
         </p:spPr>
         <p:txBody>
@@ -1183,38 +1195,37 @@
           <a:p>
             <a:pPr lvl="0"/>
             <a:r>
-              <a:rPr lang="zh-TW" altLang="en-US" smtClean="0"/>
+              <a:rPr lang="zh-TW" altLang="en-US"/>
               <a:t>按一下以編輯母片文字樣式</a:t>
             </a:r>
           </a:p>
           <a:p>
             <a:pPr lvl="1"/>
             <a:r>
-              <a:rPr lang="zh-TW" altLang="en-US" smtClean="0"/>
+              <a:rPr lang="zh-TW" altLang="en-US"/>
               <a:t>第二層</a:t>
             </a:r>
           </a:p>
           <a:p>
             <a:pPr lvl="2"/>
             <a:r>
-              <a:rPr lang="zh-TW" altLang="en-US" smtClean="0"/>
+              <a:rPr lang="zh-TW" altLang="en-US"/>
               <a:t>第三層</a:t>
             </a:r>
           </a:p>
           <a:p>
             <a:pPr lvl="3"/>
             <a:r>
-              <a:rPr lang="zh-TW" altLang="en-US" smtClean="0"/>
+              <a:rPr lang="zh-TW" altLang="en-US"/>
               <a:t>第四層</a:t>
             </a:r>
           </a:p>
           <a:p>
             <a:pPr lvl="4"/>
             <a:r>
-              <a:rPr lang="zh-TW" altLang="en-US" smtClean="0"/>
+              <a:rPr lang="zh-TW" altLang="en-US"/>
               <a:t>第五層</a:t>
             </a:r>
-            <a:endParaRPr lang="zh-TW" altLang="en-US"/>
           </a:p>
         </p:txBody>
       </p:sp>
@@ -1230,8 +1241,8 @@
         </p:nvSpPr>
         <p:spPr>
           <a:xfrm>
-            <a:off x="4648200" y="1600200"/>
-            <a:ext cx="4038600" cy="4525963"/>
+            <a:off x="6197600" y="1600201"/>
+            <a:ext cx="5384800" cy="4525963"/>
           </a:xfrm>
         </p:spPr>
         <p:txBody>
@@ -1268,38 +1279,37 @@
           <a:p>
             <a:pPr lvl="0"/>
             <a:r>
-              <a:rPr lang="zh-TW" altLang="en-US" smtClean="0"/>
+              <a:rPr lang="zh-TW" altLang="en-US"/>
               <a:t>按一下以編輯母片文字樣式</a:t>
             </a:r>
           </a:p>
           <a:p>
             <a:pPr lvl="1"/>
             <a:r>
-              <a:rPr lang="zh-TW" altLang="en-US" smtClean="0"/>
+              <a:rPr lang="zh-TW" altLang="en-US"/>
               <a:t>第二層</a:t>
             </a:r>
           </a:p>
           <a:p>
             <a:pPr lvl="2"/>
             <a:r>
-              <a:rPr lang="zh-TW" altLang="en-US" smtClean="0"/>
+              <a:rPr lang="zh-TW" altLang="en-US"/>
               <a:t>第三層</a:t>
             </a:r>
           </a:p>
           <a:p>
             <a:pPr lvl="3"/>
             <a:r>
-              <a:rPr lang="zh-TW" altLang="en-US" smtClean="0"/>
+              <a:rPr lang="zh-TW" altLang="en-US"/>
               <a:t>第四層</a:t>
             </a:r>
           </a:p>
           <a:p>
             <a:pPr lvl="4"/>
             <a:r>
-              <a:rPr lang="zh-TW" altLang="en-US" smtClean="0"/>
+              <a:rPr lang="zh-TW" altLang="en-US"/>
               <a:t>第五層</a:t>
             </a:r>
-            <a:endParaRPr lang="zh-TW" altLang="en-US"/>
           </a:p>
         </p:txBody>
       </p:sp>
@@ -1320,7 +1330,7 @@
           <a:p>
             <a:fld id="{7C34B948-116C-4707-B621-AE00B2411EB1}" type="datetimeFigureOut">
               <a:rPr lang="zh-TW" altLang="en-US" smtClean="0"/>
-              <a:t>2018/12/15</a:t>
+              <a:t>2023/12/16</a:t>
             </a:fld>
             <a:endParaRPr lang="zh-TW" altLang="en-US"/>
           </a:p>
@@ -1413,10 +1423,9 @@
           </a:lstStyle>
           <a:p>
             <a:r>
-              <a:rPr lang="zh-TW" altLang="en-US" smtClean="0"/>
+              <a:rPr lang="zh-TW" altLang="en-US"/>
               <a:t>按一下以編輯母片標題樣式</a:t>
             </a:r>
-            <a:endParaRPr lang="zh-TW" altLang="en-US"/>
           </a:p>
         </p:txBody>
       </p:sp>
@@ -1432,8 +1441,8 @@
         </p:nvSpPr>
         <p:spPr>
           <a:xfrm>
-            <a:off x="457200" y="1535113"/>
-            <a:ext cx="4040188" cy="639762"/>
+            <a:off x="609600" y="1535113"/>
+            <a:ext cx="5386917" cy="639762"/>
           </a:xfrm>
         </p:spPr>
         <p:txBody>
@@ -1479,7 +1488,7 @@
           <a:p>
             <a:pPr lvl="0"/>
             <a:r>
-              <a:rPr lang="zh-TW" altLang="en-US" smtClean="0"/>
+              <a:rPr lang="zh-TW" altLang="en-US"/>
               <a:t>按一下以編輯母片文字樣式</a:t>
             </a:r>
           </a:p>
@@ -1497,8 +1506,8 @@
         </p:nvSpPr>
         <p:spPr>
           <a:xfrm>
-            <a:off x="457200" y="2174875"/>
-            <a:ext cx="4040188" cy="3951288"/>
+            <a:off x="609600" y="2174875"/>
+            <a:ext cx="5386917" cy="3951288"/>
           </a:xfrm>
         </p:spPr>
         <p:txBody>
@@ -1535,38 +1544,37 @@
           <a:p>
             <a:pPr lvl="0"/>
             <a:r>
-              <a:rPr lang="zh-TW" altLang="en-US" smtClean="0"/>
+              <a:rPr lang="zh-TW" altLang="en-US"/>
               <a:t>按一下以編輯母片文字樣式</a:t>
             </a:r>
           </a:p>
           <a:p>
             <a:pPr lvl="1"/>
             <a:r>
-              <a:rPr lang="zh-TW" altLang="en-US" smtClean="0"/>
+              <a:rPr lang="zh-TW" altLang="en-US"/>
               <a:t>第二層</a:t>
             </a:r>
           </a:p>
           <a:p>
             <a:pPr lvl="2"/>
             <a:r>
-              <a:rPr lang="zh-TW" altLang="en-US" smtClean="0"/>
+              <a:rPr lang="zh-TW" altLang="en-US"/>
               <a:t>第三層</a:t>
             </a:r>
           </a:p>
           <a:p>
             <a:pPr lvl="3"/>
             <a:r>
-              <a:rPr lang="zh-TW" altLang="en-US" smtClean="0"/>
+              <a:rPr lang="zh-TW" altLang="en-US"/>
               <a:t>第四層</a:t>
             </a:r>
           </a:p>
           <a:p>
             <a:pPr lvl="4"/>
             <a:r>
-              <a:rPr lang="zh-TW" altLang="en-US" smtClean="0"/>
+              <a:rPr lang="zh-TW" altLang="en-US"/>
               <a:t>第五層</a:t>
             </a:r>
-            <a:endParaRPr lang="zh-TW" altLang="en-US"/>
           </a:p>
         </p:txBody>
       </p:sp>
@@ -1582,8 +1590,8 @@
         </p:nvSpPr>
         <p:spPr>
           <a:xfrm>
-            <a:off x="4645025" y="1535113"/>
-            <a:ext cx="4041775" cy="639762"/>
+            <a:off x="6193368" y="1535113"/>
+            <a:ext cx="5389033" cy="639762"/>
           </a:xfrm>
         </p:spPr>
         <p:txBody>
@@ -1629,7 +1637,7 @@
           <a:p>
             <a:pPr lvl="0"/>
             <a:r>
-              <a:rPr lang="zh-TW" altLang="en-US" smtClean="0"/>
+              <a:rPr lang="zh-TW" altLang="en-US"/>
               <a:t>按一下以編輯母片文字樣式</a:t>
             </a:r>
           </a:p>
@@ -1647,8 +1655,8 @@
         </p:nvSpPr>
         <p:spPr>
           <a:xfrm>
-            <a:off x="4645025" y="2174875"/>
-            <a:ext cx="4041775" cy="3951288"/>
+            <a:off x="6193368" y="2174875"/>
+            <a:ext cx="5389033" cy="3951288"/>
           </a:xfrm>
         </p:spPr>
         <p:txBody>
@@ -1685,38 +1693,37 @@
           <a:p>
             <a:pPr lvl="0"/>
             <a:r>
-              <a:rPr lang="zh-TW" altLang="en-US" smtClean="0"/>
+              <a:rPr lang="zh-TW" altLang="en-US"/>
               <a:t>按一下以編輯母片文字樣式</a:t>
             </a:r>
           </a:p>
           <a:p>
             <a:pPr lvl="1"/>
             <a:r>
-              <a:rPr lang="zh-TW" altLang="en-US" smtClean="0"/>
+              <a:rPr lang="zh-TW" altLang="en-US"/>
               <a:t>第二層</a:t>
             </a:r>
           </a:p>
           <a:p>
             <a:pPr lvl="2"/>
             <a:r>
-              <a:rPr lang="zh-TW" altLang="en-US" smtClean="0"/>
+              <a:rPr lang="zh-TW" altLang="en-US"/>
               <a:t>第三層</a:t>
             </a:r>
           </a:p>
           <a:p>
             <a:pPr lvl="3"/>
             <a:r>
-              <a:rPr lang="zh-TW" altLang="en-US" smtClean="0"/>
+              <a:rPr lang="zh-TW" altLang="en-US"/>
               <a:t>第四層</a:t>
             </a:r>
           </a:p>
           <a:p>
             <a:pPr lvl="4"/>
             <a:r>
-              <a:rPr lang="zh-TW" altLang="en-US" smtClean="0"/>
+              <a:rPr lang="zh-TW" altLang="en-US"/>
               <a:t>第五層</a:t>
             </a:r>
-            <a:endParaRPr lang="zh-TW" altLang="en-US"/>
           </a:p>
         </p:txBody>
       </p:sp>
@@ -1737,7 +1744,7 @@
           <a:p>
             <a:fld id="{7C34B948-116C-4707-B621-AE00B2411EB1}" type="datetimeFigureOut">
               <a:rPr lang="zh-TW" altLang="en-US" smtClean="0"/>
-              <a:t>2018/12/15</a:t>
+              <a:t>2023/12/16</a:t>
             </a:fld>
             <a:endParaRPr lang="zh-TW" altLang="en-US"/>
           </a:p>
@@ -1826,10 +1833,9 @@
           <a:lstStyle/>
           <a:p>
             <a:r>
-              <a:rPr lang="zh-TW" altLang="en-US" smtClean="0"/>
+              <a:rPr lang="zh-TW" altLang="en-US"/>
               <a:t>按一下以編輯母片標題樣式</a:t>
             </a:r>
-            <a:endParaRPr lang="zh-TW" altLang="en-US"/>
           </a:p>
         </p:txBody>
       </p:sp>
@@ -1850,7 +1856,7 @@
           <a:p>
             <a:fld id="{7C34B948-116C-4707-B621-AE00B2411EB1}" type="datetimeFigureOut">
               <a:rPr lang="zh-TW" altLang="en-US" smtClean="0"/>
-              <a:t>2018/12/15</a:t>
+              <a:t>2023/12/16</a:t>
             </a:fld>
             <a:endParaRPr lang="zh-TW" altLang="en-US"/>
           </a:p>
@@ -1940,7 +1946,7 @@
           <a:p>
             <a:fld id="{7C34B948-116C-4707-B621-AE00B2411EB1}" type="datetimeFigureOut">
               <a:rPr lang="zh-TW" altLang="en-US" smtClean="0"/>
-              <a:t>2018/12/15</a:t>
+              <a:t>2023/12/16</a:t>
             </a:fld>
             <a:endParaRPr lang="zh-TW" altLang="en-US"/>
           </a:p>
@@ -2025,8 +2031,8 @@
         </p:nvSpPr>
         <p:spPr>
           <a:xfrm>
-            <a:off x="457200" y="273050"/>
-            <a:ext cx="3008313" cy="1162050"/>
+            <a:off x="609601" y="273050"/>
+            <a:ext cx="4011084" cy="1162050"/>
           </a:xfrm>
         </p:spPr>
         <p:txBody>
@@ -2038,10 +2044,9 @@
           </a:lstStyle>
           <a:p>
             <a:r>
-              <a:rPr lang="zh-TW" altLang="en-US" smtClean="0"/>
+              <a:rPr lang="zh-TW" altLang="en-US"/>
               <a:t>按一下以編輯母片標題樣式</a:t>
             </a:r>
-            <a:endParaRPr lang="zh-TW" altLang="en-US"/>
           </a:p>
         </p:txBody>
       </p:sp>
@@ -2057,8 +2062,8 @@
         </p:nvSpPr>
         <p:spPr>
           <a:xfrm>
-            <a:off x="3575050" y="273050"/>
-            <a:ext cx="5111750" cy="5853113"/>
+            <a:off x="4766733" y="273051"/>
+            <a:ext cx="6815667" cy="5853113"/>
           </a:xfrm>
         </p:spPr>
         <p:txBody>
@@ -2095,38 +2100,37 @@
           <a:p>
             <a:pPr lvl="0"/>
             <a:r>
-              <a:rPr lang="zh-TW" altLang="en-US" smtClean="0"/>
+              <a:rPr lang="zh-TW" altLang="en-US"/>
               <a:t>按一下以編輯母片文字樣式</a:t>
             </a:r>
           </a:p>
           <a:p>
             <a:pPr lvl="1"/>
             <a:r>
-              <a:rPr lang="zh-TW" altLang="en-US" smtClean="0"/>
+              <a:rPr lang="zh-TW" altLang="en-US"/>
               <a:t>第二層</a:t>
             </a:r>
           </a:p>
           <a:p>
             <a:pPr lvl="2"/>
             <a:r>
-              <a:rPr lang="zh-TW" altLang="en-US" smtClean="0"/>
+              <a:rPr lang="zh-TW" altLang="en-US"/>
               <a:t>第三層</a:t>
             </a:r>
           </a:p>
           <a:p>
             <a:pPr lvl="3"/>
             <a:r>
-              <a:rPr lang="zh-TW" altLang="en-US" smtClean="0"/>
+              <a:rPr lang="zh-TW" altLang="en-US"/>
               <a:t>第四層</a:t>
             </a:r>
           </a:p>
           <a:p>
             <a:pPr lvl="4"/>
             <a:r>
-              <a:rPr lang="zh-TW" altLang="en-US" smtClean="0"/>
+              <a:rPr lang="zh-TW" altLang="en-US"/>
               <a:t>第五層</a:t>
             </a:r>
-            <a:endParaRPr lang="zh-TW" altLang="en-US"/>
           </a:p>
         </p:txBody>
       </p:sp>
@@ -2142,8 +2146,8 @@
         </p:nvSpPr>
         <p:spPr>
           <a:xfrm>
-            <a:off x="457200" y="1435100"/>
-            <a:ext cx="3008313" cy="4691063"/>
+            <a:off x="609601" y="1435101"/>
+            <a:ext cx="4011084" cy="4691063"/>
           </a:xfrm>
         </p:spPr>
         <p:txBody>
@@ -2189,7 +2193,7 @@
           <a:p>
             <a:pPr lvl="0"/>
             <a:r>
-              <a:rPr lang="zh-TW" altLang="en-US" smtClean="0"/>
+              <a:rPr lang="zh-TW" altLang="en-US"/>
               <a:t>按一下以編輯母片文字樣式</a:t>
             </a:r>
           </a:p>
@@ -2212,7 +2216,7 @@
           <a:p>
             <a:fld id="{7C34B948-116C-4707-B621-AE00B2411EB1}" type="datetimeFigureOut">
               <a:rPr lang="zh-TW" altLang="en-US" smtClean="0"/>
-              <a:t>2018/12/15</a:t>
+              <a:t>2023/12/16</a:t>
             </a:fld>
             <a:endParaRPr lang="zh-TW" altLang="en-US"/>
           </a:p>
@@ -2297,8 +2301,8 @@
         </p:nvSpPr>
         <p:spPr>
           <a:xfrm>
-            <a:off x="1792288" y="4800600"/>
-            <a:ext cx="5486400" cy="566738"/>
+            <a:off x="2389717" y="4800600"/>
+            <a:ext cx="7315200" cy="566738"/>
           </a:xfrm>
         </p:spPr>
         <p:txBody>
@@ -2310,10 +2314,9 @@
           </a:lstStyle>
           <a:p>
             <a:r>
-              <a:rPr lang="zh-TW" altLang="en-US" smtClean="0"/>
+              <a:rPr lang="zh-TW" altLang="en-US"/>
               <a:t>按一下以編輯母片標題樣式</a:t>
             </a:r>
-            <a:endParaRPr lang="zh-TW" altLang="en-US"/>
           </a:p>
         </p:txBody>
       </p:sp>
@@ -2329,8 +2332,8 @@
         </p:nvSpPr>
         <p:spPr>
           <a:xfrm>
-            <a:off x="1792288" y="612775"/>
-            <a:ext cx="5486400" cy="4114800"/>
+            <a:off x="2389717" y="612775"/>
+            <a:ext cx="7315200" cy="4114800"/>
           </a:xfrm>
         </p:spPr>
         <p:txBody>
@@ -2375,10 +2378,9 @@
           </a:lstStyle>
           <a:p>
             <a:r>
-              <a:rPr lang="zh-TW" altLang="en-US" smtClean="0"/>
+              <a:rPr lang="zh-TW" altLang="en-US"/>
               <a:t>按一下圖示以新增圖片</a:t>
             </a:r>
-            <a:endParaRPr lang="zh-TW" altLang="en-US"/>
           </a:p>
         </p:txBody>
       </p:sp>
@@ -2394,8 +2396,8 @@
         </p:nvSpPr>
         <p:spPr>
           <a:xfrm>
-            <a:off x="1792288" y="5367338"/>
-            <a:ext cx="5486400" cy="804862"/>
+            <a:off x="2389717" y="5367338"/>
+            <a:ext cx="7315200" cy="804862"/>
           </a:xfrm>
         </p:spPr>
         <p:txBody>
@@ -2441,7 +2443,7 @@
           <a:p>
             <a:pPr lvl="0"/>
             <a:r>
-              <a:rPr lang="zh-TW" altLang="en-US" smtClean="0"/>
+              <a:rPr lang="zh-TW" altLang="en-US"/>
               <a:t>按一下以編輯母片文字樣式</a:t>
             </a:r>
           </a:p>
@@ -2464,7 +2466,7 @@
           <a:p>
             <a:fld id="{7C34B948-116C-4707-B621-AE00B2411EB1}" type="datetimeFigureOut">
               <a:rPr lang="zh-TW" altLang="en-US" smtClean="0"/>
-              <a:t>2018/12/15</a:t>
+              <a:t>2023/12/16</a:t>
             </a:fld>
             <a:endParaRPr lang="zh-TW" altLang="en-US"/>
           </a:p>
@@ -2559,8 +2561,8 @@
         </p:nvSpPr>
         <p:spPr>
           <a:xfrm>
-            <a:off x="457200" y="274638"/>
-            <a:ext cx="8229600" cy="1143000"/>
+            <a:off x="609600" y="274638"/>
+            <a:ext cx="10972800" cy="1143000"/>
           </a:xfrm>
           <a:prstGeom prst="rect">
             <a:avLst/>
@@ -2573,10 +2575,9 @@
           <a:lstStyle/>
           <a:p>
             <a:r>
-              <a:rPr lang="zh-TW" altLang="en-US" smtClean="0"/>
+              <a:rPr lang="zh-TW" altLang="en-US"/>
               <a:t>按一下以編輯母片標題樣式</a:t>
             </a:r>
-            <a:endParaRPr lang="zh-TW" altLang="en-US"/>
           </a:p>
         </p:txBody>
       </p:sp>
@@ -2592,8 +2593,8 @@
         </p:nvSpPr>
         <p:spPr>
           <a:xfrm>
-            <a:off x="457200" y="1600200"/>
-            <a:ext cx="8229600" cy="4525963"/>
+            <a:off x="609600" y="1600201"/>
+            <a:ext cx="10972800" cy="4525963"/>
           </a:xfrm>
           <a:prstGeom prst="rect">
             <a:avLst/>
@@ -2607,38 +2608,37 @@
           <a:p>
             <a:pPr lvl="0"/>
             <a:r>
-              <a:rPr lang="zh-TW" altLang="en-US" smtClean="0"/>
+              <a:rPr lang="zh-TW" altLang="en-US"/>
               <a:t>按一下以編輯母片文字樣式</a:t>
             </a:r>
           </a:p>
           <a:p>
             <a:pPr lvl="1"/>
             <a:r>
-              <a:rPr lang="zh-TW" altLang="en-US" smtClean="0"/>
+              <a:rPr lang="zh-TW" altLang="en-US"/>
               <a:t>第二層</a:t>
             </a:r>
           </a:p>
           <a:p>
             <a:pPr lvl="2"/>
             <a:r>
-              <a:rPr lang="zh-TW" altLang="en-US" smtClean="0"/>
+              <a:rPr lang="zh-TW" altLang="en-US"/>
               <a:t>第三層</a:t>
             </a:r>
           </a:p>
           <a:p>
             <a:pPr lvl="3"/>
             <a:r>
-              <a:rPr lang="zh-TW" altLang="en-US" smtClean="0"/>
+              <a:rPr lang="zh-TW" altLang="en-US"/>
               <a:t>第四層</a:t>
             </a:r>
           </a:p>
           <a:p>
             <a:pPr lvl="4"/>
             <a:r>
-              <a:rPr lang="zh-TW" altLang="en-US" smtClean="0"/>
+              <a:rPr lang="zh-TW" altLang="en-US"/>
               <a:t>第五層</a:t>
             </a:r>
-            <a:endParaRPr lang="zh-TW" altLang="en-US"/>
           </a:p>
         </p:txBody>
       </p:sp>
@@ -2654,8 +2654,8 @@
         </p:nvSpPr>
         <p:spPr>
           <a:xfrm>
-            <a:off x="457200" y="6356350"/>
-            <a:ext cx="2133600" cy="365125"/>
+            <a:off x="609600" y="6356351"/>
+            <a:ext cx="2844800" cy="365125"/>
           </a:xfrm>
           <a:prstGeom prst="rect">
             <a:avLst/>
@@ -2677,7 +2677,7 @@
           <a:p>
             <a:fld id="{7C34B948-116C-4707-B621-AE00B2411EB1}" type="datetimeFigureOut">
               <a:rPr lang="zh-TW" altLang="en-US" smtClean="0"/>
-              <a:t>2018/12/15</a:t>
+              <a:t>2023/12/16</a:t>
             </a:fld>
             <a:endParaRPr lang="zh-TW" altLang="en-US"/>
           </a:p>
@@ -2695,8 +2695,8 @@
         </p:nvSpPr>
         <p:spPr>
           <a:xfrm>
-            <a:off x="3124200" y="6356350"/>
-            <a:ext cx="2895600" cy="365125"/>
+            <a:off x="4165600" y="6356351"/>
+            <a:ext cx="3860800" cy="365125"/>
           </a:xfrm>
           <a:prstGeom prst="rect">
             <a:avLst/>
@@ -2732,8 +2732,8 @@
         </p:nvSpPr>
         <p:spPr>
           <a:xfrm>
-            <a:off x="6553200" y="6356350"/>
-            <a:ext cx="2133600" cy="365125"/>
+            <a:off x="8737600" y="6356351"/>
+            <a:ext cx="2844800" cy="365125"/>
           </a:xfrm>
           <a:prstGeom prst="rect">
             <a:avLst/>
@@ -3057,22 +3057,113 @@
             <p:ph type="title"/>
           </p:nvPr>
         </p:nvSpPr>
-        <p:spPr/>
-        <p:txBody>
-          <a:bodyPr/>
-          <a:lstStyle/>
-          <a:p>
-            <a:r>
-              <a:rPr lang="zh-CN" altLang="en-US" b="1" dirty="0" smtClean="0">
-                <a:solidFill>
-                  <a:srgbClr val="660033"/>
-                </a:solidFill>
+        <p:spPr>
+          <a:xfrm>
+            <a:off x="0" y="2660915"/>
+            <a:ext cx="12192000" cy="1143000"/>
+          </a:xfrm>
+        </p:spPr>
+        <p:txBody>
+          <a:bodyPr>
+            <a:noAutofit/>
+          </a:bodyPr>
+          <a:lstStyle/>
+          <a:p>
+            <a:r>
+              <a:rPr lang="zh-CN" altLang="en-US" sz="7200" b="1" i="1" dirty="0">
+                <a:solidFill>
+                  <a:srgbClr val="660033"/>
+                </a:solidFill>
+                <a:effectLst>
+                  <a:outerShdw blurRad="38100" dist="38100" dir="2700000" algn="tl">
+                    <a:srgbClr val="000000">
+                      <a:alpha val="43137"/>
+                    </a:srgbClr>
+                  </a:outerShdw>
+                </a:effectLst>
                 <a:latin typeface="微軟正黑體" pitchFamily="34" charset="-120"/>
                 <a:ea typeface="微軟正黑體" pitchFamily="34" charset="-120"/>
               </a:rPr>
               <a:t>有一位嬰孩</a:t>
             </a:r>
-            <a:endParaRPr lang="zh-TW" altLang="en-US" b="1" dirty="0">
+            <a:endParaRPr lang="zh-TW" altLang="en-US" sz="7200" b="1" i="1" dirty="0">
+              <a:solidFill>
+                <a:srgbClr val="660033"/>
+              </a:solidFill>
+              <a:effectLst>
+                <a:outerShdw blurRad="38100" dist="38100" dir="2700000" algn="tl">
+                  <a:srgbClr val="000000">
+                    <a:alpha val="43137"/>
+                  </a:srgbClr>
+                </a:outerShdw>
+              </a:effectLst>
+              <a:latin typeface="微軟正黑體" pitchFamily="34" charset="-120"/>
+              <a:ea typeface="微軟正黑體" pitchFamily="34" charset="-120"/>
+            </a:endParaRPr>
+          </a:p>
+        </p:txBody>
+      </p:sp>
+    </p:spTree>
+  </p:cSld>
+  <p:clrMapOvr>
+    <a:masterClrMapping/>
+  </p:clrMapOvr>
+</p:sld>
+</file>
+
+<file path=ppt/slides/slide10.xml><?xml version="1.0" encoding="utf-8"?>
+<p:sld xmlns:a="http://schemas.openxmlformats.org/drawingml/2006/main" xmlns:r="http://schemas.openxmlformats.org/officeDocument/2006/relationships" xmlns:p="http://schemas.openxmlformats.org/presentationml/2006/main">
+  <p:cSld>
+    <p:spTree>
+      <p:nvGrpSpPr>
+        <p:cNvPr id="1" name=""/>
+        <p:cNvGrpSpPr/>
+        <p:nvPr/>
+      </p:nvGrpSpPr>
+      <p:grpSpPr>
+        <a:xfrm>
+          <a:off x="0" y="0"/>
+          <a:ext cx="0" cy="0"/>
+          <a:chOff x="0" y="0"/>
+          <a:chExt cx="0" cy="0"/>
+        </a:xfrm>
+      </p:grpSpPr>
+      <p:sp>
+        <p:nvSpPr>
+          <p:cNvPr id="5" name="內容版面配置區 4"/>
+          <p:cNvSpPr>
+            <a:spLocks noGrp="1"/>
+          </p:cNvSpPr>
+          <p:nvPr>
+            <p:ph idx="1"/>
+          </p:nvPr>
+        </p:nvSpPr>
+        <p:spPr>
+          <a:xfrm>
+            <a:off x="0" y="2084851"/>
+            <a:ext cx="12192000" cy="2404863"/>
+          </a:xfrm>
+        </p:spPr>
+        <p:txBody>
+          <a:bodyPr anchor="ctr">
+            <a:normAutofit/>
+          </a:bodyPr>
+          <a:lstStyle/>
+          <a:p>
+            <a:pPr algn="ctr">
+              <a:buNone/>
+            </a:pPr>
+            <a:r>
+              <a:rPr lang="zh-TW" altLang="en-US" sz="6400" b="1" dirty="0">
+                <a:solidFill>
+                  <a:srgbClr val="660033"/>
+                </a:solidFill>
+                <a:latin typeface="微軟正黑體" pitchFamily="34" charset="-120"/>
+                <a:ea typeface="微軟正黑體" pitchFamily="34" charset="-120"/>
+              </a:rPr>
+              <a:t>耶穌基督今日降生</a:t>
+            </a:r>
+            <a:endParaRPr lang="en-US" altLang="zh-TW" sz="6400" b="1" dirty="0">
               <a:solidFill>
                 <a:srgbClr val="660033"/>
               </a:solidFill>
@@ -3080,49 +3171,21 @@
               <a:ea typeface="微軟正黑體" pitchFamily="34" charset="-120"/>
             </a:endParaRPr>
           </a:p>
-        </p:txBody>
-      </p:sp>
-      <p:sp>
-        <p:nvSpPr>
-          <p:cNvPr id="5" name="內容版面配置區 4"/>
-          <p:cNvSpPr>
-            <a:spLocks noGrp="1"/>
-          </p:cNvSpPr>
-          <p:nvPr>
-            <p:ph idx="1"/>
-          </p:nvPr>
-        </p:nvSpPr>
-        <p:spPr/>
-        <p:txBody>
-          <a:bodyPr>
-            <a:normAutofit/>
-          </a:bodyPr>
-          <a:lstStyle/>
           <a:p>
             <a:pPr algn="ctr">
               <a:buNone/>
             </a:pPr>
             <a:r>
-              <a:rPr lang="zh-TW" altLang="en-US" sz="5400" b="1" dirty="0">
+              <a:rPr lang="zh-TW" altLang="en-US" sz="6400" b="1" dirty="0">
                 <a:solidFill>
                   <a:srgbClr val="660033"/>
                 </a:solidFill>
                 <a:latin typeface="微軟正黑體" pitchFamily="34" charset="-120"/>
                 <a:ea typeface="微軟正黑體" pitchFamily="34" charset="-120"/>
               </a:rPr>
-              <a:t>受捆的心靈宣告被</a:t>
-            </a:r>
-            <a:r>
-              <a:rPr lang="zh-TW" altLang="en-US" sz="5400" b="1" dirty="0" smtClean="0">
-                <a:solidFill>
-                  <a:srgbClr val="660033"/>
-                </a:solidFill>
-                <a:latin typeface="微軟正黑體" pitchFamily="34" charset="-120"/>
-                <a:ea typeface="微軟正黑體" pitchFamily="34" charset="-120"/>
-              </a:rPr>
-              <a:t>釋放</a:t>
-            </a:r>
-            <a:endParaRPr lang="en-US" altLang="zh-TW" sz="5400" b="1" dirty="0" smtClean="0">
+              <a:t>耶穌基督我們的神</a:t>
+            </a:r>
+            <a:endParaRPr lang="en-US" altLang="zh-TW" sz="6400" b="1" dirty="0">
               <a:solidFill>
                 <a:srgbClr val="660033"/>
               </a:solidFill>
@@ -3130,118 +3193,76 @@
               <a:ea typeface="微軟正黑體" pitchFamily="34" charset="-120"/>
             </a:endParaRPr>
           </a:p>
-          <a:p>
-            <a:pPr algn="ctr">
-              <a:buNone/>
-            </a:pPr>
-            <a:r>
-              <a:rPr lang="zh-TW" altLang="en-US" sz="5400" b="1" dirty="0" smtClean="0">
-                <a:solidFill>
-                  <a:srgbClr val="660033"/>
-                </a:solidFill>
-                <a:latin typeface="微軟正黑體" pitchFamily="34" charset="-120"/>
-                <a:ea typeface="微軟正黑體" pitchFamily="34" charset="-120"/>
-              </a:rPr>
-              <a:t>絕望</a:t>
-            </a:r>
-            <a:r>
-              <a:rPr lang="zh-TW" altLang="en-US" sz="5400" b="1" dirty="0">
-                <a:solidFill>
-                  <a:srgbClr val="660033"/>
-                </a:solidFill>
-                <a:latin typeface="微軟正黑體" pitchFamily="34" charset="-120"/>
-                <a:ea typeface="微軟正黑體" pitchFamily="34" charset="-120"/>
-              </a:rPr>
-              <a:t>的人今日得著</a:t>
-            </a:r>
-            <a:r>
-              <a:rPr lang="zh-TW" altLang="en-US" sz="5400" b="1" dirty="0" smtClean="0">
-                <a:solidFill>
-                  <a:srgbClr val="660033"/>
-                </a:solidFill>
-                <a:latin typeface="微軟正黑體" pitchFamily="34" charset="-120"/>
-                <a:ea typeface="微軟正黑體" pitchFamily="34" charset="-120"/>
-              </a:rPr>
-              <a:t>盼望</a:t>
-            </a:r>
-            <a:endParaRPr lang="en-US" altLang="zh-TW" sz="5400" b="1" dirty="0" smtClean="0">
+        </p:txBody>
+      </p:sp>
+      <p:sp>
+        <p:nvSpPr>
+          <p:cNvPr id="3" name="TextBox 2"/>
+          <p:cNvSpPr txBox="1"/>
+          <p:nvPr/>
+        </p:nvSpPr>
+        <p:spPr>
+          <a:xfrm>
+            <a:off x="0" y="5157193"/>
+            <a:ext cx="12192000" cy="584775"/>
+          </a:xfrm>
+          <a:prstGeom prst="rect">
+            <a:avLst/>
+          </a:prstGeom>
+          <a:noFill/>
+        </p:spPr>
+        <p:txBody>
+          <a:bodyPr wrap="square" rtlCol="0">
+            <a:spAutoFit/>
+          </a:bodyPr>
+          <a:lstStyle/>
+          <a:p>
+            <a:pPr algn="ctr"/>
+            <a:r>
+              <a:rPr lang="en-US" sz="3200" b="1" dirty="0">
+                <a:solidFill>
+                  <a:srgbClr val="660033"/>
+                </a:solidFill>
+                <a:latin typeface="Microsoft JhengHei" panose="020B0604030504040204" pitchFamily="34" charset="-120"/>
+                <a:ea typeface="Microsoft JhengHei" panose="020B0604030504040204" pitchFamily="34" charset="-120"/>
+              </a:rPr>
+              <a:t>( </a:t>
+            </a:r>
+            <a:r>
+              <a:rPr lang="zh-CN" altLang="en-US" sz="3200" b="1" dirty="0">
+                <a:solidFill>
+                  <a:srgbClr val="660033"/>
+                </a:solidFill>
+                <a:latin typeface="Microsoft JhengHei" panose="020B0604030504040204" pitchFamily="34" charset="-120"/>
+                <a:ea typeface="Microsoft JhengHei" panose="020B0604030504040204" pitchFamily="34" charset="-120"/>
+              </a:rPr>
+              <a:t>結束</a:t>
+            </a:r>
+            <a:r>
+              <a:rPr lang="en-US" sz="3200" b="1" dirty="0">
+                <a:solidFill>
+                  <a:srgbClr val="660033"/>
+                </a:solidFill>
+                <a:latin typeface="Microsoft JhengHei" panose="020B0604030504040204" pitchFamily="34" charset="-120"/>
+                <a:ea typeface="Microsoft JhengHei" panose="020B0604030504040204" pitchFamily="34" charset="-120"/>
+              </a:rPr>
+              <a:t> )</a:t>
+            </a:r>
+            <a:endParaRPr lang="vi-VN" sz="3200" b="1" dirty="0">
               <a:solidFill>
                 <a:srgbClr val="660033"/>
               </a:solidFill>
-              <a:latin typeface="微軟正黑體" pitchFamily="34" charset="-120"/>
-              <a:ea typeface="微軟正黑體" pitchFamily="34" charset="-120"/>
+              <a:ea typeface="Microsoft JhengHei" panose="020B0604030504040204" pitchFamily="34" charset="-120"/>
             </a:endParaRPr>
           </a:p>
-          <a:p>
-            <a:pPr algn="ctr">
-              <a:buNone/>
-            </a:pPr>
-            <a:r>
-              <a:rPr lang="zh-TW" altLang="en-US" sz="5400" b="1" dirty="0" smtClean="0">
-                <a:solidFill>
-                  <a:srgbClr val="660033"/>
-                </a:solidFill>
-                <a:latin typeface="微軟正黑體" pitchFamily="34" charset="-120"/>
-                <a:ea typeface="微軟正黑體" pitchFamily="34" charset="-120"/>
-              </a:rPr>
-              <a:t>心中</a:t>
-            </a:r>
-            <a:r>
-              <a:rPr lang="zh-TW" altLang="en-US" sz="5400" b="1" dirty="0">
-                <a:solidFill>
-                  <a:srgbClr val="660033"/>
-                </a:solidFill>
-                <a:latin typeface="微軟正黑體" pitchFamily="34" charset="-120"/>
-                <a:ea typeface="微軟正黑體" pitchFamily="34" charset="-120"/>
-              </a:rPr>
-              <a:t>的憂愁被化為</a:t>
-            </a:r>
-            <a:r>
-              <a:rPr lang="zh-TW" altLang="en-US" sz="5400" b="1" dirty="0" smtClean="0">
-                <a:solidFill>
-                  <a:srgbClr val="660033"/>
-                </a:solidFill>
-                <a:latin typeface="微軟正黑體" pitchFamily="34" charset="-120"/>
-                <a:ea typeface="微軟正黑體" pitchFamily="34" charset="-120"/>
-              </a:rPr>
-              <a:t>歡樂</a:t>
-            </a:r>
-            <a:endParaRPr lang="en-US" altLang="zh-TW" sz="5400" b="1" dirty="0" smtClean="0">
-              <a:solidFill>
-                <a:srgbClr val="660033"/>
-              </a:solidFill>
-              <a:latin typeface="微軟正黑體" pitchFamily="34" charset="-120"/>
-              <a:ea typeface="微軟正黑體" pitchFamily="34" charset="-120"/>
-            </a:endParaRPr>
-          </a:p>
-          <a:p>
-            <a:pPr algn="ctr">
-              <a:buNone/>
-            </a:pPr>
-            <a:r>
-              <a:rPr lang="zh-TW" altLang="en-US" sz="5400" b="1" dirty="0" smtClean="0">
-                <a:solidFill>
-                  <a:srgbClr val="660033"/>
-                </a:solidFill>
-                <a:latin typeface="微軟正黑體" pitchFamily="34" charset="-120"/>
-                <a:ea typeface="微軟正黑體" pitchFamily="34" charset="-120"/>
-              </a:rPr>
-              <a:t>迷失</a:t>
-            </a:r>
-            <a:r>
-              <a:rPr lang="zh-TW" altLang="en-US" sz="5400" b="1" dirty="0">
-                <a:solidFill>
-                  <a:srgbClr val="660033"/>
-                </a:solidFill>
-                <a:latin typeface="微軟正黑體" pitchFamily="34" charset="-120"/>
-                <a:ea typeface="微軟正黑體" pitchFamily="34" charset="-120"/>
-              </a:rPr>
-              <a:t>的人現在有方向</a:t>
-            </a:r>
-          </a:p>
         </p:txBody>
       </p:sp>
     </p:spTree>
+    <p:extLst>
+      <p:ext uri="{BB962C8B-B14F-4D97-AF65-F5344CB8AC3E}">
+        <p14:creationId xmlns:p14="http://schemas.microsoft.com/office/powerpoint/2010/main" val="3938355376"/>
+      </p:ext>
+    </p:extLst>
   </p:cSld>
   <p:clrMapOvr>
     <a:masterClrMapping/>
@@ -3268,30 +3289,40 @@
       </p:grpSpPr>
       <p:sp>
         <p:nvSpPr>
-          <p:cNvPr id="4" name="標題 3"/>
-          <p:cNvSpPr>
-            <a:spLocks noGrp="1"/>
-          </p:cNvSpPr>
-          <p:nvPr>
-            <p:ph type="title"/>
-          </p:nvPr>
-        </p:nvSpPr>
-        <p:spPr/>
-        <p:txBody>
-          <a:bodyPr/>
-          <a:lstStyle/>
-          <a:p>
-            <a:r>
-              <a:rPr lang="zh-CN" altLang="en-US" b="1" dirty="0" smtClean="0">
+          <p:cNvPr id="5" name="內容版面配置區 4"/>
+          <p:cNvSpPr>
+            <a:spLocks noGrp="1"/>
+          </p:cNvSpPr>
+          <p:nvPr>
+            <p:ph idx="1"/>
+          </p:nvPr>
+        </p:nvSpPr>
+        <p:spPr>
+          <a:xfrm>
+            <a:off x="0" y="2084851"/>
+            <a:ext cx="12192000" cy="2404863"/>
+          </a:xfrm>
+        </p:spPr>
+        <p:txBody>
+          <a:bodyPr anchor="ctr">
+            <a:normAutofit/>
+          </a:bodyPr>
+          <a:lstStyle/>
+          <a:p>
+            <a:pPr algn="ctr">
+              <a:buNone/>
+            </a:pPr>
+            <a:r>
+              <a:rPr lang="zh-TW" altLang="en-US" sz="6400" b="1" dirty="0">
                 <a:solidFill>
                   <a:srgbClr val="660033"/>
                 </a:solidFill>
                 <a:latin typeface="微軟正黑體" pitchFamily="34" charset="-120"/>
                 <a:ea typeface="微軟正黑體" pitchFamily="34" charset="-120"/>
               </a:rPr>
-              <a:t>有一位嬰孩</a:t>
-            </a:r>
-            <a:endParaRPr lang="zh-TW" altLang="en-US" b="1" dirty="0">
+              <a:t>受捆的心靈宣告被釋放</a:t>
+            </a:r>
+            <a:endParaRPr lang="en-US" altLang="zh-TW" sz="6400" b="1" dirty="0">
               <a:solidFill>
                 <a:srgbClr val="660033"/>
               </a:solidFill>
@@ -3299,49 +3330,21 @@
               <a:ea typeface="微軟正黑體" pitchFamily="34" charset="-120"/>
             </a:endParaRPr>
           </a:p>
-        </p:txBody>
-      </p:sp>
-      <p:sp>
-        <p:nvSpPr>
-          <p:cNvPr id="5" name="內容版面配置區 4"/>
-          <p:cNvSpPr>
-            <a:spLocks noGrp="1"/>
-          </p:cNvSpPr>
-          <p:nvPr>
-            <p:ph idx="1"/>
-          </p:nvPr>
-        </p:nvSpPr>
-        <p:spPr/>
-        <p:txBody>
-          <a:bodyPr>
-            <a:normAutofit/>
-          </a:bodyPr>
-          <a:lstStyle/>
           <a:p>
             <a:pPr algn="ctr">
               <a:buNone/>
             </a:pPr>
             <a:r>
-              <a:rPr lang="zh-TW" altLang="en-US" sz="5400" b="1" dirty="0" smtClean="0">
+              <a:rPr lang="zh-TW" altLang="en-US" sz="6400" b="1" dirty="0">
                 <a:solidFill>
                   <a:srgbClr val="660033"/>
                 </a:solidFill>
                 <a:latin typeface="微軟正黑體" pitchFamily="34" charset="-120"/>
                 <a:ea typeface="微軟正黑體" pitchFamily="34" charset="-120"/>
               </a:rPr>
-              <a:t>罪惡重擔今後不再</a:t>
-            </a:r>
-            <a:r>
-              <a:rPr lang="zh-TW" altLang="en-US" sz="5400" b="1" dirty="0" smtClean="0">
-                <a:solidFill>
-                  <a:srgbClr val="660033"/>
-                </a:solidFill>
-                <a:latin typeface="微軟正黑體" pitchFamily="34" charset="-120"/>
-                <a:ea typeface="微軟正黑體" pitchFamily="34" charset="-120"/>
-              </a:rPr>
-              <a:t>承擔</a:t>
-            </a:r>
-            <a:endParaRPr lang="en-US" altLang="zh-TW" sz="5400" b="1" dirty="0" smtClean="0">
+              <a:t>絕望的人今日得著盼望</a:t>
+            </a:r>
+            <a:endParaRPr lang="en-US" altLang="zh-TW" sz="6400" b="1" dirty="0">
               <a:solidFill>
                 <a:srgbClr val="660033"/>
               </a:solidFill>
@@ -3349,114 +3352,77 @@
               <a:ea typeface="微軟正黑體" pitchFamily="34" charset="-120"/>
             </a:endParaRPr>
           </a:p>
-          <a:p>
-            <a:pPr algn="ctr">
-              <a:buNone/>
-            </a:pPr>
-            <a:r>
-              <a:rPr lang="zh-TW" altLang="en-US" sz="5400" b="1" dirty="0" smtClean="0">
-                <a:solidFill>
-                  <a:srgbClr val="660033"/>
-                </a:solidFill>
-                <a:latin typeface="微軟正黑體" pitchFamily="34" charset="-120"/>
-                <a:ea typeface="微軟正黑體" pitchFamily="34" charset="-120"/>
-              </a:rPr>
-              <a:t>神</a:t>
-            </a:r>
-            <a:r>
-              <a:rPr lang="zh-TW" altLang="en-US" sz="5400" b="1" dirty="0" smtClean="0">
-                <a:solidFill>
-                  <a:srgbClr val="660033"/>
-                </a:solidFill>
-                <a:latin typeface="微軟正黑體" pitchFamily="34" charset="-120"/>
-                <a:ea typeface="微軟正黑體" pitchFamily="34" charset="-120"/>
-              </a:rPr>
-              <a:t>開道路我們得著</a:t>
-            </a:r>
-            <a:r>
-              <a:rPr lang="zh-TW" altLang="en-US" sz="5400" b="1" dirty="0" smtClean="0">
-                <a:solidFill>
-                  <a:srgbClr val="660033"/>
-                </a:solidFill>
-                <a:latin typeface="微軟正黑體" pitchFamily="34" charset="-120"/>
-                <a:ea typeface="微軟正黑體" pitchFamily="34" charset="-120"/>
-              </a:rPr>
-              <a:t>赦免</a:t>
-            </a:r>
-            <a:endParaRPr lang="en-US" altLang="zh-TW" sz="5400" b="1" dirty="0" smtClean="0">
+        </p:txBody>
+      </p:sp>
+      <p:sp>
+        <p:nvSpPr>
+          <p:cNvPr id="3" name="TextBox 2"/>
+          <p:cNvSpPr txBox="1"/>
+          <p:nvPr/>
+        </p:nvSpPr>
+        <p:spPr>
+          <a:xfrm>
+            <a:off x="0" y="5157193"/>
+            <a:ext cx="12192000" cy="584775"/>
+          </a:xfrm>
+          <a:prstGeom prst="rect">
+            <a:avLst/>
+          </a:prstGeom>
+          <a:noFill/>
+        </p:spPr>
+        <p:txBody>
+          <a:bodyPr wrap="square" rtlCol="0">
+            <a:spAutoFit/>
+          </a:bodyPr>
+          <a:lstStyle/>
+          <a:p>
+            <a:pPr algn="ctr"/>
+            <a:r>
+              <a:rPr lang="en-US" sz="3200" b="1" dirty="0">
+                <a:solidFill>
+                  <a:srgbClr val="660033"/>
+                </a:solidFill>
+                <a:latin typeface="Microsoft JhengHei" panose="020B0604030504040204" pitchFamily="34" charset="-120"/>
+                <a:ea typeface="Microsoft JhengHei" panose="020B0604030504040204" pitchFamily="34" charset="-120"/>
+              </a:rPr>
+              <a:t>( </a:t>
+            </a:r>
+            <a:r>
+              <a:rPr lang="zh-CN" altLang="en-US" sz="3200" b="1" dirty="0">
+                <a:solidFill>
+                  <a:srgbClr val="660033"/>
+                </a:solidFill>
+                <a:latin typeface="Microsoft JhengHei" panose="020B0604030504040204" pitchFamily="34" charset="-120"/>
+                <a:ea typeface="Microsoft JhengHei" panose="020B0604030504040204" pitchFamily="34" charset="-120"/>
+              </a:rPr>
+              <a:t>正歌 </a:t>
+            </a:r>
+            <a:r>
+              <a:rPr lang="en-US" altLang="zh-CN" sz="3200" b="1" dirty="0">
+                <a:solidFill>
+                  <a:srgbClr val="660033"/>
+                </a:solidFill>
+                <a:latin typeface="Microsoft JhengHei" panose="020B0604030504040204" pitchFamily="34" charset="-120"/>
+                <a:ea typeface="Microsoft JhengHei" panose="020B0604030504040204" pitchFamily="34" charset="-120"/>
+              </a:rPr>
+              <a:t>1</a:t>
+            </a:r>
+            <a:r>
+              <a:rPr lang="en-US" sz="3200" b="1" dirty="0">
+                <a:solidFill>
+                  <a:srgbClr val="660033"/>
+                </a:solidFill>
+                <a:latin typeface="Microsoft JhengHei" panose="020B0604030504040204" pitchFamily="34" charset="-120"/>
+                <a:ea typeface="Microsoft JhengHei" panose="020B0604030504040204" pitchFamily="34" charset="-120"/>
+              </a:rPr>
+              <a:t> )</a:t>
+            </a:r>
+            <a:endParaRPr lang="vi-VN" sz="3200" b="1" dirty="0">
               <a:solidFill>
                 <a:srgbClr val="660033"/>
               </a:solidFill>
-              <a:latin typeface="微軟正黑體" pitchFamily="34" charset="-120"/>
-              <a:ea typeface="微軟正黑體" pitchFamily="34" charset="-120"/>
+              <a:ea typeface="Microsoft JhengHei" panose="020B0604030504040204" pitchFamily="34" charset="-120"/>
             </a:endParaRPr>
-          </a:p>
-          <a:p>
-            <a:pPr algn="ctr">
-              <a:buNone/>
-            </a:pPr>
-            <a:r>
-              <a:rPr lang="zh-TW" altLang="en-US" sz="5400" b="1" dirty="0" smtClean="0">
-                <a:solidFill>
-                  <a:srgbClr val="660033"/>
-                </a:solidFill>
-                <a:latin typeface="微軟正黑體" pitchFamily="34" charset="-120"/>
-                <a:ea typeface="微軟正黑體" pitchFamily="34" charset="-120"/>
-              </a:rPr>
-              <a:t>以</a:t>
-            </a:r>
-            <a:r>
-              <a:rPr lang="zh-TW" altLang="en-US" sz="5400" b="1" dirty="0" smtClean="0">
-                <a:solidFill>
-                  <a:srgbClr val="660033"/>
-                </a:solidFill>
-                <a:latin typeface="微軟正黑體" pitchFamily="34" charset="-120"/>
-                <a:ea typeface="微軟正黑體" pitchFamily="34" charset="-120"/>
-              </a:rPr>
-              <a:t>馬內利神與我們同</a:t>
-            </a:r>
-            <a:r>
-              <a:rPr lang="zh-TW" altLang="en-US" sz="5400" b="1" dirty="0" smtClean="0">
-                <a:solidFill>
-                  <a:srgbClr val="660033"/>
-                </a:solidFill>
-                <a:latin typeface="微軟正黑體" pitchFamily="34" charset="-120"/>
-                <a:ea typeface="微軟正黑體" pitchFamily="34" charset="-120"/>
-              </a:rPr>
-              <a:t>在</a:t>
-            </a:r>
-            <a:endParaRPr lang="en-US" altLang="zh-TW" sz="5400" b="1" dirty="0" smtClean="0">
-              <a:solidFill>
-                <a:srgbClr val="660033"/>
-              </a:solidFill>
-              <a:latin typeface="微軟正黑體" pitchFamily="34" charset="-120"/>
-              <a:ea typeface="微軟正黑體" pitchFamily="34" charset="-120"/>
-            </a:endParaRPr>
-          </a:p>
-          <a:p>
-            <a:pPr algn="ctr">
-              <a:buNone/>
-            </a:pPr>
-            <a:r>
-              <a:rPr lang="zh-TW" altLang="en-US" sz="5400" b="1" dirty="0" smtClean="0">
-                <a:solidFill>
-                  <a:srgbClr val="660033"/>
-                </a:solidFill>
-                <a:latin typeface="微軟正黑體" pitchFamily="34" charset="-120"/>
-                <a:ea typeface="微軟正黑體" pitchFamily="34" charset="-120"/>
-              </a:rPr>
-              <a:t>天使</a:t>
-            </a:r>
-            <a:r>
-              <a:rPr lang="zh-TW" altLang="en-US" sz="5400" b="1" dirty="0" smtClean="0">
-                <a:solidFill>
-                  <a:srgbClr val="660033"/>
-                </a:solidFill>
-                <a:latin typeface="微軟正黑體" pitchFamily="34" charset="-120"/>
-                <a:ea typeface="微軟正黑體" pitchFamily="34" charset="-120"/>
-              </a:rPr>
-              <a:t>歡呼萬物來頌揚</a:t>
-            </a:r>
           </a:p>
         </p:txBody>
       </p:sp>
@@ -3487,30 +3453,40 @@
       </p:grpSpPr>
       <p:sp>
         <p:nvSpPr>
-          <p:cNvPr id="4" name="標題 3"/>
-          <p:cNvSpPr>
-            <a:spLocks noGrp="1"/>
-          </p:cNvSpPr>
-          <p:nvPr>
-            <p:ph type="title"/>
-          </p:nvPr>
-        </p:nvSpPr>
-        <p:spPr/>
-        <p:txBody>
-          <a:bodyPr/>
-          <a:lstStyle/>
-          <a:p>
-            <a:r>
-              <a:rPr lang="zh-CN" altLang="en-US" b="1" dirty="0" smtClean="0">
+          <p:cNvPr id="5" name="內容版面配置區 4"/>
+          <p:cNvSpPr>
+            <a:spLocks noGrp="1"/>
+          </p:cNvSpPr>
+          <p:nvPr>
+            <p:ph idx="1"/>
+          </p:nvPr>
+        </p:nvSpPr>
+        <p:spPr>
+          <a:xfrm>
+            <a:off x="0" y="2084851"/>
+            <a:ext cx="12192000" cy="2404863"/>
+          </a:xfrm>
+        </p:spPr>
+        <p:txBody>
+          <a:bodyPr anchor="ctr">
+            <a:normAutofit/>
+          </a:bodyPr>
+          <a:lstStyle/>
+          <a:p>
+            <a:pPr algn="ctr">
+              <a:buNone/>
+            </a:pPr>
+            <a:r>
+              <a:rPr lang="zh-TW" altLang="en-US" sz="6400" b="1" dirty="0">
                 <a:solidFill>
                   <a:srgbClr val="660033"/>
                 </a:solidFill>
                 <a:latin typeface="微軟正黑體" pitchFamily="34" charset="-120"/>
                 <a:ea typeface="微軟正黑體" pitchFamily="34" charset="-120"/>
               </a:rPr>
-              <a:t>有一位嬰孩</a:t>
-            </a:r>
-            <a:endParaRPr lang="zh-TW" altLang="en-US" b="1" dirty="0">
+              <a:t>心中的憂愁被化為歡樂</a:t>
+            </a:r>
+            <a:endParaRPr lang="en-US" altLang="zh-TW" sz="6400" b="1" dirty="0">
               <a:solidFill>
                 <a:srgbClr val="660033"/>
               </a:solidFill>
@@ -3518,158 +3494,101 @@
               <a:ea typeface="微軟正黑體" pitchFamily="34" charset="-120"/>
             </a:endParaRPr>
           </a:p>
-        </p:txBody>
-      </p:sp>
-      <p:sp>
-        <p:nvSpPr>
-          <p:cNvPr id="5" name="內容版面配置區 4"/>
-          <p:cNvSpPr>
-            <a:spLocks noGrp="1"/>
-          </p:cNvSpPr>
-          <p:nvPr>
-            <p:ph idx="1"/>
-          </p:nvPr>
-        </p:nvSpPr>
-        <p:spPr/>
-        <p:txBody>
-          <a:bodyPr>
-            <a:normAutofit/>
-          </a:bodyPr>
-          <a:lstStyle/>
           <a:p>
             <a:pPr algn="ctr">
               <a:buNone/>
             </a:pPr>
             <a:r>
-              <a:rPr lang="zh-TW" altLang="en-US" sz="5400" b="1" dirty="0" smtClean="0">
+              <a:rPr lang="zh-TW" altLang="en-US" sz="6400" b="1" dirty="0">
                 <a:solidFill>
                   <a:srgbClr val="660033"/>
                 </a:solidFill>
                 <a:latin typeface="微軟正黑體" pitchFamily="34" charset="-120"/>
                 <a:ea typeface="微軟正黑體" pitchFamily="34" charset="-120"/>
               </a:rPr>
-              <a:t>有一位嬰孩為我們而</a:t>
-            </a:r>
-            <a:r>
-              <a:rPr lang="zh-TW" altLang="en-US" sz="5400" b="1" dirty="0" smtClean="0">
-                <a:solidFill>
-                  <a:srgbClr val="660033"/>
-                </a:solidFill>
-                <a:latin typeface="微軟正黑體" pitchFamily="34" charset="-120"/>
-                <a:ea typeface="微軟正黑體" pitchFamily="34" charset="-120"/>
-              </a:rPr>
-              <a:t>生</a:t>
-            </a:r>
-            <a:endParaRPr lang="en-US" altLang="zh-TW" sz="5400" b="1" dirty="0" smtClean="0">
+              <a:t>迷失的人現在有方向</a:t>
+            </a:r>
+          </a:p>
+        </p:txBody>
+      </p:sp>
+      <p:sp>
+        <p:nvSpPr>
+          <p:cNvPr id="3" name="TextBox 2"/>
+          <p:cNvSpPr txBox="1"/>
+          <p:nvPr/>
+        </p:nvSpPr>
+        <p:spPr>
+          <a:xfrm>
+            <a:off x="0" y="5157193"/>
+            <a:ext cx="12192000" cy="584775"/>
+          </a:xfrm>
+          <a:prstGeom prst="rect">
+            <a:avLst/>
+          </a:prstGeom>
+          <a:noFill/>
+        </p:spPr>
+        <p:txBody>
+          <a:bodyPr wrap="square" rtlCol="0">
+            <a:spAutoFit/>
+          </a:bodyPr>
+          <a:lstStyle/>
+          <a:p>
+            <a:pPr algn="ctr"/>
+            <a:r>
+              <a:rPr lang="en-US" sz="3200" b="1" dirty="0">
+                <a:solidFill>
+                  <a:srgbClr val="660033"/>
+                </a:solidFill>
+                <a:latin typeface="Microsoft JhengHei" panose="020B0604030504040204" pitchFamily="34" charset="-120"/>
+                <a:ea typeface="Microsoft JhengHei" panose="020B0604030504040204" pitchFamily="34" charset="-120"/>
+              </a:rPr>
+              <a:t>( </a:t>
+            </a:r>
+            <a:r>
+              <a:rPr lang="zh-CN" altLang="en-US" sz="3200" b="1" dirty="0">
+                <a:solidFill>
+                  <a:srgbClr val="660033"/>
+                </a:solidFill>
+                <a:latin typeface="Microsoft JhengHei" panose="020B0604030504040204" pitchFamily="34" charset="-120"/>
+                <a:ea typeface="Microsoft JhengHei" panose="020B0604030504040204" pitchFamily="34" charset="-120"/>
+              </a:rPr>
+              <a:t>正歌 </a:t>
+            </a:r>
+            <a:r>
+              <a:rPr lang="en-US" altLang="zh-CN" sz="3200" b="1" dirty="0">
+                <a:solidFill>
+                  <a:srgbClr val="660033"/>
+                </a:solidFill>
+                <a:latin typeface="Microsoft JhengHei" panose="020B0604030504040204" pitchFamily="34" charset="-120"/>
+                <a:ea typeface="Microsoft JhengHei" panose="020B0604030504040204" pitchFamily="34" charset="-120"/>
+              </a:rPr>
+              <a:t>1</a:t>
+            </a:r>
+            <a:r>
+              <a:rPr lang="en-US" sz="3200" b="1" dirty="0">
+                <a:solidFill>
+                  <a:srgbClr val="660033"/>
+                </a:solidFill>
+                <a:latin typeface="Microsoft JhengHei" panose="020B0604030504040204" pitchFamily="34" charset="-120"/>
+                <a:ea typeface="Microsoft JhengHei" panose="020B0604030504040204" pitchFamily="34" charset="-120"/>
+              </a:rPr>
+              <a:t> )</a:t>
+            </a:r>
+            <a:endParaRPr lang="vi-VN" sz="3200" b="1" dirty="0">
               <a:solidFill>
                 <a:srgbClr val="660033"/>
               </a:solidFill>
-              <a:latin typeface="微軟正黑體" pitchFamily="34" charset="-120"/>
-              <a:ea typeface="微軟正黑體" pitchFamily="34" charset="-120"/>
+              <a:ea typeface="Microsoft JhengHei" panose="020B0604030504040204" pitchFamily="34" charset="-120"/>
             </a:endParaRPr>
           </a:p>
-          <a:p>
-            <a:pPr algn="ctr">
-              <a:buNone/>
-            </a:pPr>
-            <a:r>
-              <a:rPr lang="zh-TW" altLang="en-US" sz="5400" b="1" dirty="0" smtClean="0">
-                <a:solidFill>
-                  <a:srgbClr val="660033"/>
-                </a:solidFill>
-                <a:latin typeface="微軟正黑體" pitchFamily="34" charset="-120"/>
-                <a:ea typeface="微軟正黑體" pitchFamily="34" charset="-120"/>
-              </a:rPr>
-              <a:t>真神</a:t>
-            </a:r>
-            <a:r>
-              <a:rPr lang="zh-TW" altLang="en-US" sz="5400" b="1" dirty="0" smtClean="0">
-                <a:solidFill>
-                  <a:srgbClr val="660033"/>
-                </a:solidFill>
-                <a:latin typeface="微軟正黑體" pitchFamily="34" charset="-120"/>
-                <a:ea typeface="微軟正黑體" pitchFamily="34" charset="-120"/>
-              </a:rPr>
-              <a:t>的兒子賜給</a:t>
-            </a:r>
-            <a:r>
-              <a:rPr lang="zh-TW" altLang="en-US" sz="5400" b="1" dirty="0" smtClean="0">
-                <a:solidFill>
-                  <a:srgbClr val="660033"/>
-                </a:solidFill>
-                <a:latin typeface="微軟正黑體" pitchFamily="34" charset="-120"/>
-                <a:ea typeface="微軟正黑體" pitchFamily="34" charset="-120"/>
-              </a:rPr>
-              <a:t>我們</a:t>
-            </a:r>
-            <a:endParaRPr lang="en-US" altLang="zh-TW" sz="5400" b="1" dirty="0" smtClean="0">
-              <a:solidFill>
-                <a:srgbClr val="660033"/>
-              </a:solidFill>
-              <a:latin typeface="微軟正黑體" pitchFamily="34" charset="-120"/>
-              <a:ea typeface="微軟正黑體" pitchFamily="34" charset="-120"/>
-            </a:endParaRPr>
-          </a:p>
-          <a:p>
-            <a:pPr algn="ctr">
-              <a:buNone/>
-            </a:pPr>
-            <a:r>
-              <a:rPr lang="zh-TW" altLang="en-US" sz="5400" b="1" dirty="0" smtClean="0">
-                <a:solidFill>
-                  <a:srgbClr val="660033"/>
-                </a:solidFill>
-                <a:latin typeface="微軟正黑體" pitchFamily="34" charset="-120"/>
-                <a:ea typeface="微軟正黑體" pitchFamily="34" charset="-120"/>
-              </a:rPr>
-              <a:t>他</a:t>
-            </a:r>
-            <a:r>
-              <a:rPr lang="zh-TW" altLang="en-US" sz="5400" b="1" dirty="0" smtClean="0">
-                <a:solidFill>
-                  <a:srgbClr val="660033"/>
-                </a:solidFill>
-                <a:latin typeface="微軟正黑體" pitchFamily="34" charset="-120"/>
-                <a:ea typeface="微軟正黑體" pitchFamily="34" charset="-120"/>
-              </a:rPr>
-              <a:t>來掌權 他做王至到永遠 </a:t>
-            </a:r>
-            <a:endParaRPr lang="en-US" altLang="zh-TW" sz="5400" b="1" dirty="0" smtClean="0">
-              <a:solidFill>
-                <a:srgbClr val="660033"/>
-              </a:solidFill>
-              <a:latin typeface="微軟正黑體" pitchFamily="34" charset="-120"/>
-              <a:ea typeface="微軟正黑體" pitchFamily="34" charset="-120"/>
-            </a:endParaRPr>
-          </a:p>
-          <a:p>
-            <a:pPr algn="ctr">
-              <a:buNone/>
-            </a:pPr>
-            <a:r>
-              <a:rPr lang="zh-TW" altLang="en-US" sz="5400" b="1" dirty="0" smtClean="0">
-                <a:solidFill>
-                  <a:srgbClr val="660033"/>
-                </a:solidFill>
-                <a:latin typeface="微軟正黑體" pitchFamily="34" charset="-120"/>
-                <a:ea typeface="微軟正黑體" pitchFamily="34" charset="-120"/>
-              </a:rPr>
-              <a:t>施行</a:t>
-            </a:r>
-            <a:r>
-              <a:rPr lang="zh-TW" altLang="en-US" sz="5400" b="1" dirty="0" smtClean="0">
-                <a:solidFill>
-                  <a:srgbClr val="660033"/>
-                </a:solidFill>
-                <a:latin typeface="微軟正黑體" pitchFamily="34" charset="-120"/>
-                <a:ea typeface="微軟正黑體" pitchFamily="34" charset="-120"/>
-              </a:rPr>
-              <a:t>公義帶來平安</a:t>
-            </a:r>
-          </a:p>
         </p:txBody>
       </p:sp>
     </p:spTree>
+    <p:extLst>
+      <p:ext uri="{BB962C8B-B14F-4D97-AF65-F5344CB8AC3E}">
+        <p14:creationId xmlns:p14="http://schemas.microsoft.com/office/powerpoint/2010/main" val="3137761174"/>
+      </p:ext>
+    </p:extLst>
   </p:cSld>
   <p:clrMapOvr>
     <a:masterClrMapping/>
@@ -3696,30 +3615,40 @@
       </p:grpSpPr>
       <p:sp>
         <p:nvSpPr>
-          <p:cNvPr id="4" name="標題 3"/>
-          <p:cNvSpPr>
-            <a:spLocks noGrp="1"/>
-          </p:cNvSpPr>
-          <p:nvPr>
-            <p:ph type="title"/>
-          </p:nvPr>
-        </p:nvSpPr>
-        <p:spPr/>
-        <p:txBody>
-          <a:bodyPr/>
-          <a:lstStyle/>
-          <a:p>
-            <a:r>
-              <a:rPr lang="zh-CN" altLang="en-US" b="1" dirty="0" smtClean="0">
+          <p:cNvPr id="5" name="內容版面配置區 4"/>
+          <p:cNvSpPr>
+            <a:spLocks noGrp="1"/>
+          </p:cNvSpPr>
+          <p:nvPr>
+            <p:ph idx="1"/>
+          </p:nvPr>
+        </p:nvSpPr>
+        <p:spPr>
+          <a:xfrm>
+            <a:off x="0" y="2084851"/>
+            <a:ext cx="12192000" cy="2404863"/>
+          </a:xfrm>
+        </p:spPr>
+        <p:txBody>
+          <a:bodyPr anchor="ctr">
+            <a:normAutofit/>
+          </a:bodyPr>
+          <a:lstStyle/>
+          <a:p>
+            <a:pPr algn="ctr">
+              <a:buNone/>
+            </a:pPr>
+            <a:r>
+              <a:rPr lang="zh-TW" altLang="en-US" sz="6400" b="1" dirty="0">
                 <a:solidFill>
                   <a:srgbClr val="660033"/>
                 </a:solidFill>
                 <a:latin typeface="微軟正黑體" pitchFamily="34" charset="-120"/>
                 <a:ea typeface="微軟正黑體" pitchFamily="34" charset="-120"/>
               </a:rPr>
-              <a:t>有一位嬰孩</a:t>
-            </a:r>
-            <a:endParaRPr lang="zh-TW" altLang="en-US" b="1" dirty="0">
+              <a:t>罪惡重擔今後不再承擔</a:t>
+            </a:r>
+            <a:endParaRPr lang="en-US" altLang="zh-TW" sz="6400" b="1" dirty="0">
               <a:solidFill>
                 <a:srgbClr val="660033"/>
               </a:solidFill>
@@ -3727,59 +3656,21 @@
               <a:ea typeface="微軟正黑體" pitchFamily="34" charset="-120"/>
             </a:endParaRPr>
           </a:p>
-        </p:txBody>
-      </p:sp>
-      <p:sp>
-        <p:nvSpPr>
-          <p:cNvPr id="5" name="內容版面配置區 4"/>
-          <p:cNvSpPr>
-            <a:spLocks noGrp="1"/>
-          </p:cNvSpPr>
-          <p:nvPr>
-            <p:ph idx="1"/>
-          </p:nvPr>
-        </p:nvSpPr>
-        <p:spPr/>
-        <p:txBody>
-          <a:bodyPr>
-            <a:normAutofit lnSpcReduction="10000"/>
-          </a:bodyPr>
-          <a:lstStyle/>
           <a:p>
             <a:pPr algn="ctr">
               <a:buNone/>
             </a:pPr>
             <a:r>
-              <a:rPr lang="zh-TW" altLang="en-US" sz="5400" b="1" dirty="0" smtClean="0">
+              <a:rPr lang="zh-TW" altLang="en-US" sz="6400" b="1" dirty="0">
                 <a:solidFill>
                   <a:srgbClr val="660033"/>
                 </a:solidFill>
                 <a:latin typeface="微軟正黑體" pitchFamily="34" charset="-120"/>
                 <a:ea typeface="微軟正黑體" pitchFamily="34" charset="-120"/>
               </a:rPr>
-              <a:t>他名是</a:t>
-            </a:r>
-            <a:r>
-              <a:rPr lang="zh-TW" altLang="en-US" sz="5400" b="1" dirty="0" smtClean="0">
-                <a:solidFill>
-                  <a:srgbClr val="660033"/>
-                </a:solidFill>
-                <a:latin typeface="微軟正黑體" pitchFamily="34" charset="-120"/>
-                <a:ea typeface="微軟正黑體" pitchFamily="34" charset="-120"/>
-              </a:rPr>
-              <a:t>奇妙  偉大</a:t>
-            </a:r>
-            <a:r>
-              <a:rPr lang="zh-TW" altLang="en-US" sz="5400" b="1" dirty="0" smtClean="0">
-                <a:solidFill>
-                  <a:srgbClr val="660033"/>
-                </a:solidFill>
-                <a:latin typeface="微軟正黑體" pitchFamily="34" charset="-120"/>
-                <a:ea typeface="微軟正黑體" pitchFamily="34" charset="-120"/>
-              </a:rPr>
-              <a:t>的策士 </a:t>
-            </a:r>
-            <a:endParaRPr lang="en-US" altLang="zh-TW" sz="5400" b="1" dirty="0" smtClean="0">
+              <a:t>神開道路我們得著赦免</a:t>
+            </a:r>
+            <a:endParaRPr lang="en-US" altLang="zh-TW" sz="6400" b="1" dirty="0">
               <a:solidFill>
                 <a:srgbClr val="660033"/>
               </a:solidFill>
@@ -3787,41 +3678,146 @@
               <a:ea typeface="微軟正黑體" pitchFamily="34" charset="-120"/>
             </a:endParaRPr>
           </a:p>
+        </p:txBody>
+      </p:sp>
+      <p:sp>
+        <p:nvSpPr>
+          <p:cNvPr id="3" name="TextBox 2"/>
+          <p:cNvSpPr txBox="1"/>
+          <p:nvPr/>
+        </p:nvSpPr>
+        <p:spPr>
+          <a:xfrm>
+            <a:off x="0" y="5157193"/>
+            <a:ext cx="12192000" cy="584775"/>
+          </a:xfrm>
+          <a:prstGeom prst="rect">
+            <a:avLst/>
+          </a:prstGeom>
+          <a:noFill/>
+        </p:spPr>
+        <p:txBody>
+          <a:bodyPr wrap="square" rtlCol="0">
+            <a:spAutoFit/>
+          </a:bodyPr>
+          <a:lstStyle/>
+          <a:p>
+            <a:pPr algn="ctr"/>
+            <a:r>
+              <a:rPr lang="en-US" sz="3200" b="1" dirty="0">
+                <a:solidFill>
+                  <a:srgbClr val="660033"/>
+                </a:solidFill>
+                <a:latin typeface="Microsoft JhengHei" panose="020B0604030504040204" pitchFamily="34" charset="-120"/>
+                <a:ea typeface="Microsoft JhengHei" panose="020B0604030504040204" pitchFamily="34" charset="-120"/>
+              </a:rPr>
+              <a:t>( </a:t>
+            </a:r>
+            <a:r>
+              <a:rPr lang="zh-CN" altLang="en-US" sz="3200" b="1" dirty="0">
+                <a:solidFill>
+                  <a:srgbClr val="660033"/>
+                </a:solidFill>
+                <a:latin typeface="Microsoft JhengHei" panose="020B0604030504040204" pitchFamily="34" charset="-120"/>
+                <a:ea typeface="Microsoft JhengHei" panose="020B0604030504040204" pitchFamily="34" charset="-120"/>
+              </a:rPr>
+              <a:t>正歌 </a:t>
+            </a:r>
+            <a:r>
+              <a:rPr lang="en-US" altLang="zh-CN" sz="3200" b="1" dirty="0">
+                <a:solidFill>
+                  <a:srgbClr val="660033"/>
+                </a:solidFill>
+                <a:latin typeface="Microsoft JhengHei" panose="020B0604030504040204" pitchFamily="34" charset="-120"/>
+                <a:ea typeface="Microsoft JhengHei" panose="020B0604030504040204" pitchFamily="34" charset="-120"/>
+              </a:rPr>
+              <a:t>2</a:t>
+            </a:r>
+            <a:r>
+              <a:rPr lang="en-US" sz="3200" b="1" dirty="0">
+                <a:solidFill>
+                  <a:srgbClr val="660033"/>
+                </a:solidFill>
+                <a:latin typeface="Microsoft JhengHei" panose="020B0604030504040204" pitchFamily="34" charset="-120"/>
+                <a:ea typeface="Microsoft JhengHei" panose="020B0604030504040204" pitchFamily="34" charset="-120"/>
+              </a:rPr>
+              <a:t> )</a:t>
+            </a:r>
+            <a:endParaRPr lang="vi-VN" sz="3200" b="1" dirty="0">
+              <a:solidFill>
+                <a:srgbClr val="660033"/>
+              </a:solidFill>
+              <a:ea typeface="Microsoft JhengHei" panose="020B0604030504040204" pitchFamily="34" charset="-120"/>
+            </a:endParaRPr>
+          </a:p>
+        </p:txBody>
+      </p:sp>
+    </p:spTree>
+    <p:extLst>
+      <p:ext uri="{BB962C8B-B14F-4D97-AF65-F5344CB8AC3E}">
+        <p14:creationId xmlns:p14="http://schemas.microsoft.com/office/powerpoint/2010/main" val="879043055"/>
+      </p:ext>
+    </p:extLst>
+  </p:cSld>
+  <p:clrMapOvr>
+    <a:masterClrMapping/>
+  </p:clrMapOvr>
+</p:sld>
+</file>
+
+<file path=ppt/slides/slide5.xml><?xml version="1.0" encoding="utf-8"?>
+<p:sld xmlns:a="http://schemas.openxmlformats.org/drawingml/2006/main" xmlns:r="http://schemas.openxmlformats.org/officeDocument/2006/relationships" xmlns:p="http://schemas.openxmlformats.org/presentationml/2006/main">
+  <p:cSld>
+    <p:spTree>
+      <p:nvGrpSpPr>
+        <p:cNvPr id="1" name=""/>
+        <p:cNvGrpSpPr/>
+        <p:nvPr/>
+      </p:nvGrpSpPr>
+      <p:grpSpPr>
+        <a:xfrm>
+          <a:off x="0" y="0"/>
+          <a:ext cx="0" cy="0"/>
+          <a:chOff x="0" y="0"/>
+          <a:chExt cx="0" cy="0"/>
+        </a:xfrm>
+      </p:grpSpPr>
+      <p:sp>
+        <p:nvSpPr>
+          <p:cNvPr id="5" name="內容版面配置區 4"/>
+          <p:cNvSpPr>
+            <a:spLocks noGrp="1"/>
+          </p:cNvSpPr>
+          <p:nvPr>
+            <p:ph idx="1"/>
+          </p:nvPr>
+        </p:nvSpPr>
+        <p:spPr>
+          <a:xfrm>
+            <a:off x="0" y="2084851"/>
+            <a:ext cx="12192000" cy="2404863"/>
+          </a:xfrm>
+        </p:spPr>
+        <p:txBody>
+          <a:bodyPr anchor="ctr">
+            <a:normAutofit/>
+          </a:bodyPr>
+          <a:lstStyle/>
           <a:p>
             <a:pPr algn="ctr">
               <a:buNone/>
             </a:pPr>
             <a:r>
-              <a:rPr lang="zh-TW" altLang="en-US" sz="5400" b="1" dirty="0" smtClean="0">
+              <a:rPr lang="zh-TW" altLang="en-US" sz="6400" b="1" dirty="0">
                 <a:solidFill>
                   <a:srgbClr val="660033"/>
                 </a:solidFill>
                 <a:latin typeface="微軟正黑體" pitchFamily="34" charset="-120"/>
                 <a:ea typeface="微軟正黑體" pitchFamily="34" charset="-120"/>
               </a:rPr>
-              <a:t>永</a:t>
-            </a:r>
-            <a:r>
-              <a:rPr lang="zh-TW" altLang="en-US" sz="5400" b="1" dirty="0" smtClean="0">
-                <a:solidFill>
-                  <a:srgbClr val="660033"/>
-                </a:solidFill>
-                <a:latin typeface="微軟正黑體" pitchFamily="34" charset="-120"/>
-                <a:ea typeface="微軟正黑體" pitchFamily="34" charset="-120"/>
-              </a:rPr>
-              <a:t>在的</a:t>
-            </a:r>
-            <a:r>
-              <a:rPr lang="zh-TW" altLang="en-US" sz="5400" b="1" dirty="0" smtClean="0">
-                <a:solidFill>
-                  <a:srgbClr val="660033"/>
-                </a:solidFill>
-                <a:latin typeface="微軟正黑體" pitchFamily="34" charset="-120"/>
-                <a:ea typeface="微軟正黑體" pitchFamily="34" charset="-120"/>
-              </a:rPr>
-              <a:t>父  全能真神</a:t>
-            </a:r>
-            <a:endParaRPr lang="en-US" altLang="zh-TW" sz="5400" b="1" dirty="0" smtClean="0">
+              <a:t>以馬內利神與我們同在</a:t>
+            </a:r>
+            <a:endParaRPr lang="en-US" altLang="zh-TW" sz="6400" b="1" dirty="0">
               <a:solidFill>
                 <a:srgbClr val="660033"/>
               </a:solidFill>
@@ -3834,56 +3830,156 @@
               <a:buNone/>
             </a:pPr>
             <a:r>
-              <a:rPr lang="zh-CN" altLang="en-US" sz="5400" b="1" dirty="0" smtClean="0">
+              <a:rPr lang="zh-TW" altLang="en-US" sz="6400" b="1" dirty="0">
                 <a:solidFill>
                   <a:srgbClr val="660033"/>
                 </a:solidFill>
                 <a:latin typeface="微軟正黑體" pitchFamily="34" charset="-120"/>
                 <a:ea typeface="微軟正黑體" pitchFamily="34" charset="-120"/>
               </a:rPr>
-              <a:t>哈</a:t>
-            </a:r>
-            <a:r>
-              <a:rPr lang="zh-TW" altLang="en-US" sz="5400" b="1" dirty="0" smtClean="0">
+              <a:t>天使歡呼萬物來頌揚</a:t>
+            </a:r>
+          </a:p>
+        </p:txBody>
+      </p:sp>
+      <p:sp>
+        <p:nvSpPr>
+          <p:cNvPr id="3" name="TextBox 2"/>
+          <p:cNvSpPr txBox="1"/>
+          <p:nvPr/>
+        </p:nvSpPr>
+        <p:spPr>
+          <a:xfrm>
+            <a:off x="0" y="5157193"/>
+            <a:ext cx="12192000" cy="584775"/>
+          </a:xfrm>
+          <a:prstGeom prst="rect">
+            <a:avLst/>
+          </a:prstGeom>
+          <a:noFill/>
+        </p:spPr>
+        <p:txBody>
+          <a:bodyPr wrap="square" rtlCol="0">
+            <a:spAutoFit/>
+          </a:bodyPr>
+          <a:lstStyle/>
+          <a:p>
+            <a:pPr algn="ctr"/>
+            <a:r>
+              <a:rPr lang="en-US" sz="3200" b="1" dirty="0">
+                <a:solidFill>
+                  <a:srgbClr val="660033"/>
+                </a:solidFill>
+                <a:latin typeface="Microsoft JhengHei" panose="020B0604030504040204" pitchFamily="34" charset="-120"/>
+                <a:ea typeface="Microsoft JhengHei" panose="020B0604030504040204" pitchFamily="34" charset="-120"/>
+              </a:rPr>
+              <a:t>( </a:t>
+            </a:r>
+            <a:r>
+              <a:rPr lang="zh-CN" altLang="en-US" sz="3200" b="1" dirty="0">
+                <a:solidFill>
+                  <a:srgbClr val="660033"/>
+                </a:solidFill>
+                <a:latin typeface="Microsoft JhengHei" panose="020B0604030504040204" pitchFamily="34" charset="-120"/>
+                <a:ea typeface="Microsoft JhengHei" panose="020B0604030504040204" pitchFamily="34" charset="-120"/>
+              </a:rPr>
+              <a:t>正歌 </a:t>
+            </a:r>
+            <a:r>
+              <a:rPr lang="en-US" altLang="zh-CN" sz="3200" b="1" dirty="0">
+                <a:solidFill>
+                  <a:srgbClr val="660033"/>
+                </a:solidFill>
+                <a:latin typeface="Microsoft JhengHei" panose="020B0604030504040204" pitchFamily="34" charset="-120"/>
+                <a:ea typeface="Microsoft JhengHei" panose="020B0604030504040204" pitchFamily="34" charset="-120"/>
+              </a:rPr>
+              <a:t>2</a:t>
+            </a:r>
+            <a:r>
+              <a:rPr lang="en-US" sz="3200" b="1" dirty="0">
+                <a:solidFill>
+                  <a:srgbClr val="660033"/>
+                </a:solidFill>
+                <a:latin typeface="Microsoft JhengHei" panose="020B0604030504040204" pitchFamily="34" charset="-120"/>
+                <a:ea typeface="Microsoft JhengHei" panose="020B0604030504040204" pitchFamily="34" charset="-120"/>
+              </a:rPr>
+              <a:t> )</a:t>
+            </a:r>
+            <a:endParaRPr lang="vi-VN" sz="3200" b="1" dirty="0">
+              <a:solidFill>
+                <a:srgbClr val="660033"/>
+              </a:solidFill>
+              <a:ea typeface="Microsoft JhengHei" panose="020B0604030504040204" pitchFamily="34" charset="-120"/>
+            </a:endParaRPr>
+          </a:p>
+        </p:txBody>
+      </p:sp>
+    </p:spTree>
+    <p:extLst>
+      <p:ext uri="{BB962C8B-B14F-4D97-AF65-F5344CB8AC3E}">
+        <p14:creationId xmlns:p14="http://schemas.microsoft.com/office/powerpoint/2010/main" val="3715449631"/>
+      </p:ext>
+    </p:extLst>
+  </p:cSld>
+  <p:clrMapOvr>
+    <a:masterClrMapping/>
+  </p:clrMapOvr>
+</p:sld>
+</file>
+
+<file path=ppt/slides/slide6.xml><?xml version="1.0" encoding="utf-8"?>
+<p:sld xmlns:a="http://schemas.openxmlformats.org/drawingml/2006/main" xmlns:r="http://schemas.openxmlformats.org/officeDocument/2006/relationships" xmlns:p="http://schemas.openxmlformats.org/presentationml/2006/main">
+  <p:cSld>
+    <p:spTree>
+      <p:nvGrpSpPr>
+        <p:cNvPr id="1" name=""/>
+        <p:cNvGrpSpPr/>
+        <p:nvPr/>
+      </p:nvGrpSpPr>
+      <p:grpSpPr>
+        <a:xfrm>
+          <a:off x="0" y="0"/>
+          <a:ext cx="0" cy="0"/>
+          <a:chOff x="0" y="0"/>
+          <a:chExt cx="0" cy="0"/>
+        </a:xfrm>
+      </p:grpSpPr>
+      <p:sp>
+        <p:nvSpPr>
+          <p:cNvPr id="5" name="內容版面配置區 4"/>
+          <p:cNvSpPr>
+            <a:spLocks noGrp="1"/>
+          </p:cNvSpPr>
+          <p:nvPr>
+            <p:ph idx="1"/>
+          </p:nvPr>
+        </p:nvSpPr>
+        <p:spPr>
+          <a:xfrm>
+            <a:off x="0" y="2084851"/>
+            <a:ext cx="12192000" cy="2404863"/>
+          </a:xfrm>
+        </p:spPr>
+        <p:txBody>
+          <a:bodyPr anchor="ctr">
+            <a:normAutofit/>
+          </a:bodyPr>
+          <a:lstStyle/>
+          <a:p>
+            <a:pPr algn="ctr">
+              <a:buNone/>
+            </a:pPr>
+            <a:r>
+              <a:rPr lang="zh-TW" altLang="en-US" sz="6400" b="1" dirty="0">
                 <a:solidFill>
                   <a:srgbClr val="660033"/>
                 </a:solidFill>
                 <a:latin typeface="微軟正黑體" pitchFamily="34" charset="-120"/>
                 <a:ea typeface="微軟正黑體" pitchFamily="34" charset="-120"/>
               </a:rPr>
-              <a:t>利</a:t>
-            </a:r>
-            <a:r>
-              <a:rPr lang="zh-TW" altLang="en-US" sz="5400" b="1" dirty="0" smtClean="0">
-                <a:solidFill>
-                  <a:srgbClr val="660033"/>
-                </a:solidFill>
-                <a:latin typeface="微軟正黑體" pitchFamily="34" charset="-120"/>
-                <a:ea typeface="微軟正黑體" pitchFamily="34" charset="-120"/>
-              </a:rPr>
-              <a:t>路</a:t>
-            </a:r>
-            <a:r>
-              <a:rPr lang="zh-TW" altLang="en-US" sz="5400" b="1" dirty="0" smtClean="0">
-                <a:solidFill>
-                  <a:srgbClr val="660033"/>
-                </a:solidFill>
-                <a:latin typeface="微軟正黑體" pitchFamily="34" charset="-120"/>
-                <a:ea typeface="微軟正黑體" pitchFamily="34" charset="-120"/>
-              </a:rPr>
-              <a:t>亞  他</a:t>
-            </a:r>
-            <a:r>
-              <a:rPr lang="zh-TW" altLang="en-US" sz="5400" b="1" dirty="0" smtClean="0">
-                <a:solidFill>
-                  <a:srgbClr val="660033"/>
-                </a:solidFill>
-                <a:latin typeface="微軟正黑體" pitchFamily="34" charset="-120"/>
-                <a:ea typeface="微軟正黑體" pitchFamily="34" charset="-120"/>
-              </a:rPr>
-              <a:t>是和平君王 </a:t>
-            </a:r>
-            <a:endParaRPr lang="en-US" altLang="zh-TW" sz="5400" b="1" dirty="0" smtClean="0">
+              <a:t>有一位嬰孩為我們而生</a:t>
+            </a:r>
+            <a:endParaRPr lang="en-US" altLang="zh-TW" sz="6400" b="1" dirty="0">
               <a:solidFill>
                 <a:srgbClr val="660033"/>
               </a:solidFill>
@@ -3896,36 +3992,16 @@
               <a:buNone/>
             </a:pPr>
             <a:r>
-              <a:rPr lang="zh-TW" altLang="en-US" sz="5400" b="1" dirty="0" smtClean="0">
+              <a:rPr lang="zh-TW" altLang="en-US" sz="6400" b="1" dirty="0">
                 <a:solidFill>
                   <a:srgbClr val="660033"/>
                 </a:solidFill>
                 <a:latin typeface="微軟正黑體" pitchFamily="34" charset="-120"/>
                 <a:ea typeface="微軟正黑體" pitchFamily="34" charset="-120"/>
               </a:rPr>
-              <a:t>耶穌基督</a:t>
-            </a:r>
-            <a:r>
-              <a:rPr lang="zh-TW" altLang="en-US" sz="5400" b="1" dirty="0" smtClean="0">
-                <a:solidFill>
-                  <a:srgbClr val="660033"/>
-                </a:solidFill>
-                <a:latin typeface="微軟正黑體" pitchFamily="34" charset="-120"/>
-                <a:ea typeface="微軟正黑體" pitchFamily="34" charset="-120"/>
-              </a:rPr>
-              <a:t>我們的</a:t>
-            </a:r>
-            <a:r>
-              <a:rPr lang="zh-TW" altLang="en-US" sz="5400" b="1" dirty="0" smtClean="0">
-                <a:solidFill>
-                  <a:srgbClr val="660033"/>
-                </a:solidFill>
-                <a:latin typeface="微軟正黑體" pitchFamily="34" charset="-120"/>
-                <a:ea typeface="微軟正黑體" pitchFamily="34" charset="-120"/>
-              </a:rPr>
-              <a:t>神</a:t>
-            </a:r>
-            <a:endParaRPr lang="en-US" altLang="zh-TW" sz="5400" b="1" dirty="0" smtClean="0">
+              <a:t>真神的兒子賜給我們</a:t>
+            </a:r>
+            <a:endParaRPr lang="en-US" altLang="zh-TW" sz="6400" b="1" dirty="0">
               <a:solidFill>
                 <a:srgbClr val="660033"/>
               </a:solidFill>
@@ -3933,34 +4009,616 @@
               <a:ea typeface="微軟正黑體" pitchFamily="34" charset="-120"/>
             </a:endParaRPr>
           </a:p>
+        </p:txBody>
+      </p:sp>
+      <p:sp>
+        <p:nvSpPr>
+          <p:cNvPr id="3" name="TextBox 2"/>
+          <p:cNvSpPr txBox="1"/>
+          <p:nvPr/>
+        </p:nvSpPr>
+        <p:spPr>
+          <a:xfrm>
+            <a:off x="0" y="5157193"/>
+            <a:ext cx="12192000" cy="584775"/>
+          </a:xfrm>
+          <a:prstGeom prst="rect">
+            <a:avLst/>
+          </a:prstGeom>
+          <a:noFill/>
+        </p:spPr>
+        <p:txBody>
+          <a:bodyPr wrap="square" rtlCol="0">
+            <a:spAutoFit/>
+          </a:bodyPr>
+          <a:lstStyle/>
+          <a:p>
+            <a:pPr algn="ctr"/>
+            <a:r>
+              <a:rPr lang="en-US" sz="3200" b="1" dirty="0">
+                <a:solidFill>
+                  <a:srgbClr val="660033"/>
+                </a:solidFill>
+                <a:latin typeface="Microsoft JhengHei" panose="020B0604030504040204" pitchFamily="34" charset="-120"/>
+                <a:ea typeface="Microsoft JhengHei" panose="020B0604030504040204" pitchFamily="34" charset="-120"/>
+              </a:rPr>
+              <a:t>( </a:t>
+            </a:r>
+            <a:r>
+              <a:rPr lang="zh-CN" altLang="en-US" sz="3200" b="1" dirty="0">
+                <a:solidFill>
+                  <a:srgbClr val="660033"/>
+                </a:solidFill>
+                <a:latin typeface="Microsoft JhengHei" panose="020B0604030504040204" pitchFamily="34" charset="-120"/>
+                <a:ea typeface="Microsoft JhengHei" panose="020B0604030504040204" pitchFamily="34" charset="-120"/>
+              </a:rPr>
+              <a:t>副歌</a:t>
+            </a:r>
+            <a:r>
+              <a:rPr lang="en-US" sz="3200" b="1" dirty="0">
+                <a:solidFill>
+                  <a:srgbClr val="660033"/>
+                </a:solidFill>
+                <a:latin typeface="Microsoft JhengHei" panose="020B0604030504040204" pitchFamily="34" charset="-120"/>
+                <a:ea typeface="Microsoft JhengHei" panose="020B0604030504040204" pitchFamily="34" charset="-120"/>
+              </a:rPr>
+              <a:t> )</a:t>
+            </a:r>
+            <a:endParaRPr lang="vi-VN" sz="3200" b="1" dirty="0">
+              <a:solidFill>
+                <a:srgbClr val="660033"/>
+              </a:solidFill>
+              <a:ea typeface="Microsoft JhengHei" panose="020B0604030504040204" pitchFamily="34" charset="-120"/>
+            </a:endParaRPr>
+          </a:p>
+        </p:txBody>
+      </p:sp>
+    </p:spTree>
+    <p:extLst>
+      <p:ext uri="{BB962C8B-B14F-4D97-AF65-F5344CB8AC3E}">
+        <p14:creationId xmlns:p14="http://schemas.microsoft.com/office/powerpoint/2010/main" val="583355167"/>
+      </p:ext>
+    </p:extLst>
+  </p:cSld>
+  <p:clrMapOvr>
+    <a:masterClrMapping/>
+  </p:clrMapOvr>
+</p:sld>
+</file>
+
+<file path=ppt/slides/slide7.xml><?xml version="1.0" encoding="utf-8"?>
+<p:sld xmlns:a="http://schemas.openxmlformats.org/drawingml/2006/main" xmlns:r="http://schemas.openxmlformats.org/officeDocument/2006/relationships" xmlns:p="http://schemas.openxmlformats.org/presentationml/2006/main">
+  <p:cSld>
+    <p:spTree>
+      <p:nvGrpSpPr>
+        <p:cNvPr id="1" name=""/>
+        <p:cNvGrpSpPr/>
+        <p:nvPr/>
+      </p:nvGrpSpPr>
+      <p:grpSpPr>
+        <a:xfrm>
+          <a:off x="0" y="0"/>
+          <a:ext cx="0" cy="0"/>
+          <a:chOff x="0" y="0"/>
+          <a:chExt cx="0" cy="0"/>
+        </a:xfrm>
+      </p:grpSpPr>
+      <p:sp>
+        <p:nvSpPr>
+          <p:cNvPr id="5" name="內容版面配置區 4"/>
+          <p:cNvSpPr>
+            <a:spLocks noGrp="1"/>
+          </p:cNvSpPr>
+          <p:nvPr>
+            <p:ph idx="1"/>
+          </p:nvPr>
+        </p:nvSpPr>
+        <p:spPr>
+          <a:xfrm>
+            <a:off x="0" y="2084851"/>
+            <a:ext cx="12192000" cy="2404863"/>
+          </a:xfrm>
+        </p:spPr>
+        <p:txBody>
+          <a:bodyPr anchor="ctr">
+            <a:normAutofit/>
+          </a:bodyPr>
+          <a:lstStyle/>
           <a:p>
             <a:pPr algn="ctr">
               <a:buNone/>
             </a:pPr>
             <a:r>
-              <a:rPr lang="zh-TW" altLang="en-US" sz="5400" b="1" dirty="0" smtClean="0">
+              <a:rPr lang="zh-CN" altLang="en-US" sz="6400" b="1" dirty="0">
                 <a:solidFill>
                   <a:srgbClr val="660033"/>
                 </a:solidFill>
                 <a:latin typeface="微軟正黑體" pitchFamily="34" charset="-120"/>
                 <a:ea typeface="微軟正黑體" pitchFamily="34" charset="-120"/>
               </a:rPr>
-              <a:t>（</a:t>
-            </a:r>
-            <a:r>
-              <a:rPr lang="zh-TW" altLang="en-US" sz="5400" b="1" dirty="0" smtClean="0">
+              <a:t>祂</a:t>
+            </a:r>
+            <a:r>
+              <a:rPr lang="zh-TW" altLang="en-US" sz="6400" b="1" dirty="0">
                 <a:solidFill>
                   <a:srgbClr val="660033"/>
                 </a:solidFill>
                 <a:latin typeface="微軟正黑體" pitchFamily="34" charset="-120"/>
                 <a:ea typeface="微軟正黑體" pitchFamily="34" charset="-120"/>
               </a:rPr>
-              <a:t>今日降生）</a:t>
-            </a:r>
+              <a:t>來掌權  </a:t>
+            </a:r>
+            <a:r>
+              <a:rPr lang="zh-CN" altLang="en-US" sz="6400" b="1" dirty="0">
+                <a:solidFill>
+                  <a:srgbClr val="660033"/>
+                </a:solidFill>
+                <a:latin typeface="微軟正黑體" pitchFamily="34" charset="-120"/>
+                <a:ea typeface="微軟正黑體" pitchFamily="34" charset="-120"/>
+              </a:rPr>
+              <a:t>祂</a:t>
+            </a:r>
+            <a:r>
+              <a:rPr lang="zh-TW" altLang="en-US" sz="6400" b="1" dirty="0">
+                <a:solidFill>
+                  <a:srgbClr val="660033"/>
+                </a:solidFill>
+                <a:latin typeface="微軟正黑體" pitchFamily="34" charset="-120"/>
+                <a:ea typeface="微軟正黑體" pitchFamily="34" charset="-120"/>
+              </a:rPr>
+              <a:t>做王至到永遠 </a:t>
+            </a:r>
+            <a:endParaRPr lang="en-US" altLang="zh-TW" sz="6400" b="1" dirty="0">
+              <a:solidFill>
+                <a:srgbClr val="660033"/>
+              </a:solidFill>
+              <a:latin typeface="微軟正黑體" pitchFamily="34" charset="-120"/>
+              <a:ea typeface="微軟正黑體" pitchFamily="34" charset="-120"/>
+            </a:endParaRPr>
+          </a:p>
+          <a:p>
+            <a:pPr algn="ctr">
+              <a:buNone/>
+            </a:pPr>
+            <a:r>
+              <a:rPr lang="zh-TW" altLang="en-US" sz="6400" b="1" dirty="0">
+                <a:solidFill>
+                  <a:srgbClr val="660033"/>
+                </a:solidFill>
+                <a:latin typeface="微軟正黑體" pitchFamily="34" charset="-120"/>
+                <a:ea typeface="微軟正黑體" pitchFamily="34" charset="-120"/>
+              </a:rPr>
+              <a:t>施行公義帶來平安</a:t>
+            </a:r>
+          </a:p>
+        </p:txBody>
+      </p:sp>
+      <p:sp>
+        <p:nvSpPr>
+          <p:cNvPr id="3" name="TextBox 2"/>
+          <p:cNvSpPr txBox="1"/>
+          <p:nvPr/>
+        </p:nvSpPr>
+        <p:spPr>
+          <a:xfrm>
+            <a:off x="0" y="5157193"/>
+            <a:ext cx="12192000" cy="584775"/>
+          </a:xfrm>
+          <a:prstGeom prst="rect">
+            <a:avLst/>
+          </a:prstGeom>
+          <a:noFill/>
+        </p:spPr>
+        <p:txBody>
+          <a:bodyPr wrap="square" rtlCol="0">
+            <a:spAutoFit/>
+          </a:bodyPr>
+          <a:lstStyle/>
+          <a:p>
+            <a:pPr algn="ctr"/>
+            <a:r>
+              <a:rPr lang="en-US" sz="3200" b="1" dirty="0">
+                <a:solidFill>
+                  <a:srgbClr val="660033"/>
+                </a:solidFill>
+                <a:latin typeface="Microsoft JhengHei" panose="020B0604030504040204" pitchFamily="34" charset="-120"/>
+                <a:ea typeface="Microsoft JhengHei" panose="020B0604030504040204" pitchFamily="34" charset="-120"/>
+              </a:rPr>
+              <a:t>( </a:t>
+            </a:r>
+            <a:r>
+              <a:rPr lang="zh-CN" altLang="en-US" sz="3200" b="1" dirty="0">
+                <a:solidFill>
+                  <a:srgbClr val="660033"/>
+                </a:solidFill>
+                <a:latin typeface="Microsoft JhengHei" panose="020B0604030504040204" pitchFamily="34" charset="-120"/>
+                <a:ea typeface="Microsoft JhengHei" panose="020B0604030504040204" pitchFamily="34" charset="-120"/>
+              </a:rPr>
+              <a:t>副歌</a:t>
+            </a:r>
+            <a:r>
+              <a:rPr lang="en-US" sz="3200" b="1" dirty="0">
+                <a:solidFill>
+                  <a:srgbClr val="660033"/>
+                </a:solidFill>
+                <a:latin typeface="Microsoft JhengHei" panose="020B0604030504040204" pitchFamily="34" charset="-120"/>
+                <a:ea typeface="Microsoft JhengHei" panose="020B0604030504040204" pitchFamily="34" charset="-120"/>
+              </a:rPr>
+              <a:t> )</a:t>
+            </a:r>
+            <a:endParaRPr lang="vi-VN" sz="3200" b="1" dirty="0">
+              <a:solidFill>
+                <a:srgbClr val="660033"/>
+              </a:solidFill>
+              <a:ea typeface="Microsoft JhengHei" panose="020B0604030504040204" pitchFamily="34" charset="-120"/>
+            </a:endParaRPr>
           </a:p>
         </p:txBody>
       </p:sp>
     </p:spTree>
+    <p:extLst>
+      <p:ext uri="{BB962C8B-B14F-4D97-AF65-F5344CB8AC3E}">
+        <p14:creationId xmlns:p14="http://schemas.microsoft.com/office/powerpoint/2010/main" val="3778328087"/>
+      </p:ext>
+    </p:extLst>
+  </p:cSld>
+  <p:clrMapOvr>
+    <a:masterClrMapping/>
+  </p:clrMapOvr>
+</p:sld>
+</file>
+
+<file path=ppt/slides/slide8.xml><?xml version="1.0" encoding="utf-8"?>
+<p:sld xmlns:a="http://schemas.openxmlformats.org/drawingml/2006/main" xmlns:r="http://schemas.openxmlformats.org/officeDocument/2006/relationships" xmlns:p="http://schemas.openxmlformats.org/presentationml/2006/main">
+  <p:cSld>
+    <p:spTree>
+      <p:nvGrpSpPr>
+        <p:cNvPr id="1" name=""/>
+        <p:cNvGrpSpPr/>
+        <p:nvPr/>
+      </p:nvGrpSpPr>
+      <p:grpSpPr>
+        <a:xfrm>
+          <a:off x="0" y="0"/>
+          <a:ext cx="0" cy="0"/>
+          <a:chOff x="0" y="0"/>
+          <a:chExt cx="0" cy="0"/>
+        </a:xfrm>
+      </p:grpSpPr>
+      <p:sp>
+        <p:nvSpPr>
+          <p:cNvPr id="5" name="內容版面配置區 4"/>
+          <p:cNvSpPr>
+            <a:spLocks noGrp="1"/>
+          </p:cNvSpPr>
+          <p:nvPr>
+            <p:ph idx="1"/>
+          </p:nvPr>
+        </p:nvSpPr>
+        <p:spPr>
+          <a:xfrm>
+            <a:off x="0" y="2084851"/>
+            <a:ext cx="12192000" cy="2404863"/>
+          </a:xfrm>
+        </p:spPr>
+        <p:txBody>
+          <a:bodyPr anchor="ctr">
+            <a:normAutofit/>
+          </a:bodyPr>
+          <a:lstStyle/>
+          <a:p>
+            <a:pPr algn="ctr">
+              <a:buNone/>
+            </a:pPr>
+            <a:r>
+              <a:rPr lang="zh-CN" altLang="en-US" sz="6400" b="1" dirty="0">
+                <a:solidFill>
+                  <a:srgbClr val="660033"/>
+                </a:solidFill>
+                <a:latin typeface="微軟正黑體" pitchFamily="34" charset="-120"/>
+                <a:ea typeface="微軟正黑體" pitchFamily="34" charset="-120"/>
+              </a:rPr>
+              <a:t>祂</a:t>
+            </a:r>
+            <a:r>
+              <a:rPr lang="zh-TW" altLang="en-US" sz="6400" b="1" dirty="0">
+                <a:solidFill>
+                  <a:srgbClr val="660033"/>
+                </a:solidFill>
+                <a:latin typeface="微軟正黑體" pitchFamily="34" charset="-120"/>
+                <a:ea typeface="微軟正黑體" pitchFamily="34" charset="-120"/>
+              </a:rPr>
+              <a:t>名是奇妙  偉大的策士 </a:t>
+            </a:r>
+            <a:endParaRPr lang="en-US" altLang="zh-TW" sz="6400" b="1" dirty="0">
+              <a:solidFill>
+                <a:srgbClr val="660033"/>
+              </a:solidFill>
+              <a:latin typeface="微軟正黑體" pitchFamily="34" charset="-120"/>
+              <a:ea typeface="微軟正黑體" pitchFamily="34" charset="-120"/>
+            </a:endParaRPr>
+          </a:p>
+          <a:p>
+            <a:pPr algn="ctr">
+              <a:buNone/>
+            </a:pPr>
+            <a:r>
+              <a:rPr lang="zh-TW" altLang="en-US" sz="6400" b="1" dirty="0">
+                <a:solidFill>
+                  <a:srgbClr val="660033"/>
+                </a:solidFill>
+                <a:latin typeface="微軟正黑體" pitchFamily="34" charset="-120"/>
+                <a:ea typeface="微軟正黑體" pitchFamily="34" charset="-120"/>
+              </a:rPr>
+              <a:t>永在的父  全能真神</a:t>
+            </a:r>
+            <a:endParaRPr lang="en-US" altLang="zh-TW" sz="6400" b="1" dirty="0">
+              <a:solidFill>
+                <a:srgbClr val="660033"/>
+              </a:solidFill>
+              <a:latin typeface="微軟正黑體" pitchFamily="34" charset="-120"/>
+              <a:ea typeface="微軟正黑體" pitchFamily="34" charset="-120"/>
+            </a:endParaRPr>
+          </a:p>
+        </p:txBody>
+      </p:sp>
+      <p:sp>
+        <p:nvSpPr>
+          <p:cNvPr id="3" name="TextBox 2"/>
+          <p:cNvSpPr txBox="1"/>
+          <p:nvPr/>
+        </p:nvSpPr>
+        <p:spPr>
+          <a:xfrm>
+            <a:off x="0" y="5157193"/>
+            <a:ext cx="12192000" cy="584775"/>
+          </a:xfrm>
+          <a:prstGeom prst="rect">
+            <a:avLst/>
+          </a:prstGeom>
+          <a:noFill/>
+        </p:spPr>
+        <p:txBody>
+          <a:bodyPr wrap="square" rtlCol="0">
+            <a:spAutoFit/>
+          </a:bodyPr>
+          <a:lstStyle/>
+          <a:p>
+            <a:pPr algn="ctr"/>
+            <a:r>
+              <a:rPr lang="en-US" sz="3200" b="1" dirty="0">
+                <a:solidFill>
+                  <a:srgbClr val="660033"/>
+                </a:solidFill>
+                <a:latin typeface="Microsoft JhengHei" panose="020B0604030504040204" pitchFamily="34" charset="-120"/>
+                <a:ea typeface="Microsoft JhengHei" panose="020B0604030504040204" pitchFamily="34" charset="-120"/>
+              </a:rPr>
+              <a:t>( </a:t>
+            </a:r>
+            <a:r>
+              <a:rPr lang="zh-CN" altLang="en-US" sz="3200" b="1" dirty="0">
+                <a:solidFill>
+                  <a:srgbClr val="660033"/>
+                </a:solidFill>
+                <a:latin typeface="Microsoft JhengHei" panose="020B0604030504040204" pitchFamily="34" charset="-120"/>
+                <a:ea typeface="Microsoft JhengHei" panose="020B0604030504040204" pitchFamily="34" charset="-120"/>
+              </a:rPr>
+              <a:t>副歌</a:t>
+            </a:r>
+            <a:r>
+              <a:rPr lang="en-US" sz="3200" b="1" dirty="0">
+                <a:solidFill>
+                  <a:srgbClr val="660033"/>
+                </a:solidFill>
+                <a:latin typeface="Microsoft JhengHei" panose="020B0604030504040204" pitchFamily="34" charset="-120"/>
+                <a:ea typeface="Microsoft JhengHei" panose="020B0604030504040204" pitchFamily="34" charset="-120"/>
+              </a:rPr>
+              <a:t> )</a:t>
+            </a:r>
+            <a:endParaRPr lang="vi-VN" sz="3200" b="1" dirty="0">
+              <a:solidFill>
+                <a:srgbClr val="660033"/>
+              </a:solidFill>
+              <a:ea typeface="Microsoft JhengHei" panose="020B0604030504040204" pitchFamily="34" charset="-120"/>
+            </a:endParaRPr>
+          </a:p>
+        </p:txBody>
+      </p:sp>
+    </p:spTree>
+    <p:extLst>
+      <p:ext uri="{BB962C8B-B14F-4D97-AF65-F5344CB8AC3E}">
+        <p14:creationId xmlns:p14="http://schemas.microsoft.com/office/powerpoint/2010/main" val="3062440718"/>
+      </p:ext>
+    </p:extLst>
+  </p:cSld>
+  <p:clrMapOvr>
+    <a:masterClrMapping/>
+  </p:clrMapOvr>
+</p:sld>
+</file>
+
+<file path=ppt/slides/slide9.xml><?xml version="1.0" encoding="utf-8"?>
+<p:sld xmlns:a="http://schemas.openxmlformats.org/drawingml/2006/main" xmlns:r="http://schemas.openxmlformats.org/officeDocument/2006/relationships" xmlns:p="http://schemas.openxmlformats.org/presentationml/2006/main">
+  <p:cSld>
+    <p:spTree>
+      <p:nvGrpSpPr>
+        <p:cNvPr id="1" name=""/>
+        <p:cNvGrpSpPr/>
+        <p:nvPr/>
+      </p:nvGrpSpPr>
+      <p:grpSpPr>
+        <a:xfrm>
+          <a:off x="0" y="0"/>
+          <a:ext cx="0" cy="0"/>
+          <a:chOff x="0" y="0"/>
+          <a:chExt cx="0" cy="0"/>
+        </a:xfrm>
+      </p:grpSpPr>
+      <p:sp>
+        <p:nvSpPr>
+          <p:cNvPr id="5" name="內容版面配置區 4"/>
+          <p:cNvSpPr>
+            <a:spLocks noGrp="1"/>
+          </p:cNvSpPr>
+          <p:nvPr>
+            <p:ph idx="1"/>
+          </p:nvPr>
+        </p:nvSpPr>
+        <p:spPr>
+          <a:xfrm>
+            <a:off x="0" y="2084851"/>
+            <a:ext cx="12192000" cy="2404863"/>
+          </a:xfrm>
+        </p:spPr>
+        <p:txBody>
+          <a:bodyPr anchor="ctr">
+            <a:normAutofit/>
+          </a:bodyPr>
+          <a:lstStyle/>
+          <a:p>
+            <a:pPr algn="ctr">
+              <a:buNone/>
+            </a:pPr>
+            <a:r>
+              <a:rPr lang="zh-CN" altLang="en-US" sz="6400" b="1" dirty="0">
+                <a:solidFill>
+                  <a:srgbClr val="660033"/>
+                </a:solidFill>
+                <a:latin typeface="微軟正黑體" pitchFamily="34" charset="-120"/>
+                <a:ea typeface="微軟正黑體" pitchFamily="34" charset="-120"/>
+              </a:rPr>
+              <a:t>哈</a:t>
+            </a:r>
+            <a:r>
+              <a:rPr lang="zh-TW" altLang="en-US" sz="6400" b="1" dirty="0">
+                <a:solidFill>
+                  <a:srgbClr val="660033"/>
+                </a:solidFill>
+                <a:latin typeface="微軟正黑體" pitchFamily="34" charset="-120"/>
+                <a:ea typeface="微軟正黑體" pitchFamily="34" charset="-120"/>
+              </a:rPr>
+              <a:t>利路亞  </a:t>
+            </a:r>
+            <a:r>
+              <a:rPr lang="zh-CN" altLang="en-US" sz="6400" b="1" dirty="0">
+                <a:solidFill>
+                  <a:srgbClr val="660033"/>
+                </a:solidFill>
+                <a:latin typeface="微軟正黑體" pitchFamily="34" charset="-120"/>
+                <a:ea typeface="微軟正黑體" pitchFamily="34" charset="-120"/>
+              </a:rPr>
+              <a:t>祂</a:t>
+            </a:r>
+            <a:r>
+              <a:rPr lang="zh-TW" altLang="en-US" sz="6400" b="1" dirty="0">
+                <a:solidFill>
+                  <a:srgbClr val="660033"/>
+                </a:solidFill>
+                <a:latin typeface="微軟正黑體" pitchFamily="34" charset="-120"/>
+                <a:ea typeface="微軟正黑體" pitchFamily="34" charset="-120"/>
+              </a:rPr>
+              <a:t>是和平君王 </a:t>
+            </a:r>
+            <a:endParaRPr lang="en-US" altLang="zh-TW" sz="6400" b="1" dirty="0">
+              <a:solidFill>
+                <a:srgbClr val="660033"/>
+              </a:solidFill>
+              <a:latin typeface="微軟正黑體" pitchFamily="34" charset="-120"/>
+              <a:ea typeface="微軟正黑體" pitchFamily="34" charset="-120"/>
+            </a:endParaRPr>
+          </a:p>
+          <a:p>
+            <a:pPr algn="ctr">
+              <a:buNone/>
+            </a:pPr>
+            <a:r>
+              <a:rPr lang="zh-TW" altLang="en-US" sz="6400" b="1" dirty="0">
+                <a:solidFill>
+                  <a:srgbClr val="660033"/>
+                </a:solidFill>
+                <a:latin typeface="微軟正黑體" pitchFamily="34" charset="-120"/>
+                <a:ea typeface="微軟正黑體" pitchFamily="34" charset="-120"/>
+              </a:rPr>
+              <a:t>耶穌基督我們的神</a:t>
+            </a:r>
+            <a:endParaRPr lang="en-US" altLang="zh-TW" sz="6400" b="1" dirty="0">
+              <a:solidFill>
+                <a:srgbClr val="660033"/>
+              </a:solidFill>
+              <a:latin typeface="微軟正黑體" pitchFamily="34" charset="-120"/>
+              <a:ea typeface="微軟正黑體" pitchFamily="34" charset="-120"/>
+            </a:endParaRPr>
+          </a:p>
+        </p:txBody>
+      </p:sp>
+      <p:sp>
+        <p:nvSpPr>
+          <p:cNvPr id="3" name="TextBox 2"/>
+          <p:cNvSpPr txBox="1"/>
+          <p:nvPr/>
+        </p:nvSpPr>
+        <p:spPr>
+          <a:xfrm>
+            <a:off x="0" y="5157193"/>
+            <a:ext cx="12192000" cy="584775"/>
+          </a:xfrm>
+          <a:prstGeom prst="rect">
+            <a:avLst/>
+          </a:prstGeom>
+          <a:noFill/>
+        </p:spPr>
+        <p:txBody>
+          <a:bodyPr wrap="square" rtlCol="0">
+            <a:spAutoFit/>
+          </a:bodyPr>
+          <a:lstStyle/>
+          <a:p>
+            <a:pPr algn="ctr"/>
+            <a:r>
+              <a:rPr lang="en-US" sz="3200" b="1" dirty="0">
+                <a:solidFill>
+                  <a:srgbClr val="660033"/>
+                </a:solidFill>
+                <a:latin typeface="Microsoft JhengHei" panose="020B0604030504040204" pitchFamily="34" charset="-120"/>
+                <a:ea typeface="Microsoft JhengHei" panose="020B0604030504040204" pitchFamily="34" charset="-120"/>
+              </a:rPr>
+              <a:t>( </a:t>
+            </a:r>
+            <a:r>
+              <a:rPr lang="zh-CN" altLang="en-US" sz="3200" b="1" dirty="0">
+                <a:solidFill>
+                  <a:srgbClr val="660033"/>
+                </a:solidFill>
+                <a:latin typeface="Microsoft JhengHei" panose="020B0604030504040204" pitchFamily="34" charset="-120"/>
+                <a:ea typeface="Microsoft JhengHei" panose="020B0604030504040204" pitchFamily="34" charset="-120"/>
+              </a:rPr>
+              <a:t>副歌</a:t>
+            </a:r>
+            <a:r>
+              <a:rPr lang="en-US" sz="3200" b="1" dirty="0">
+                <a:solidFill>
+                  <a:srgbClr val="660033"/>
+                </a:solidFill>
+                <a:latin typeface="Microsoft JhengHei" panose="020B0604030504040204" pitchFamily="34" charset="-120"/>
+                <a:ea typeface="Microsoft JhengHei" panose="020B0604030504040204" pitchFamily="34" charset="-120"/>
+              </a:rPr>
+              <a:t> )</a:t>
+            </a:r>
+            <a:endParaRPr lang="vi-VN" sz="3200" b="1" dirty="0">
+              <a:solidFill>
+                <a:srgbClr val="660033"/>
+              </a:solidFill>
+              <a:ea typeface="Microsoft JhengHei" panose="020B0604030504040204" pitchFamily="34" charset="-120"/>
+            </a:endParaRPr>
+          </a:p>
+        </p:txBody>
+      </p:sp>
+    </p:spTree>
+    <p:extLst>
+      <p:ext uri="{BB962C8B-B14F-4D97-AF65-F5344CB8AC3E}">
+        <p14:creationId xmlns:p14="http://schemas.microsoft.com/office/powerpoint/2010/main" val="3572900213"/>
+      </p:ext>
+    </p:extLst>
   </p:cSld>
   <p:clrMapOvr>
     <a:masterClrMapping/>
